--- a/welcome/SoftwareCarpentryIntro.pptx
+++ b/welcome/SoftwareCarpentryIntro.pptx
@@ -26,6 +26,7 @@
     <p:sldId id="270" r:id="rId19"/>
     <p:sldId id="271" r:id="rId20"/>
     <p:sldId id="272" r:id="rId21"/>
+    <p:sldId id="273" r:id="rId22"/>
   </p:sldIdLst>
   <p:sldSz cx="9144000" cy="6858000"/>
   <p:notesSz cx="6858000" cy="9144000"/>
@@ -249,7 +250,7 @@
           <a:bodyPr lIns="0" rIns="0" tIns="0" bIns="0" anchor="b"/>
           <a:p>
             <a:pPr algn="r"/>
-            <a:fld id="{B4071AAE-FFBD-4BB6-A2F5-FD8C7AD04990}" type="slidenum">
+            <a:fld id="{FF7F94CE-5FD4-4370-84EF-C41879DC8285}" type="slidenum">
               <a:rPr b="0" lang="en-GB" sz="1400" spc="-1" strike="noStrike">
                 <a:latin typeface="Times New Roman"/>
               </a:rPr>
@@ -286,7 +287,7 @@
       </p:grpSpPr>
       <p:sp>
         <p:nvSpPr>
-          <p:cNvPr id="158" name="PlaceHolder 1"/>
+          <p:cNvPr id="159" name="PlaceHolder 1"/>
           <p:cNvSpPr>
             <a:spLocks noGrp="1"/>
           </p:cNvSpPr>
@@ -306,7 +307,7 @@
       </p:sp>
       <p:sp>
         <p:nvSpPr>
-          <p:cNvPr id="159" name="PlaceHolder 2"/>
+          <p:cNvPr id="160" name="PlaceHolder 2"/>
           <p:cNvSpPr>
             <a:spLocks noGrp="1"/>
           </p:cNvSpPr>
@@ -431,7 +432,7 @@
       </p:sp>
       <p:sp>
         <p:nvSpPr>
-          <p:cNvPr id="160" name="TextShape 3"/>
+          <p:cNvPr id="161" name="TextShape 3"/>
           <p:cNvSpPr txBox="1"/>
           <p:nvPr/>
         </p:nvSpPr>
@@ -456,7 +457,7 @@
                 <a:spcPct val="100000"/>
               </a:lnSpc>
             </a:pPr>
-            <a:fld id="{42B7909E-C27D-4700-B103-FC819F98B7E4}" type="slidenum">
+            <a:fld id="{318EFF41-F320-43D7-99B7-7DA7154AF2D8}" type="slidenum">
               <a:rPr b="0" lang="en-GB" sz="1200" spc="-1" strike="noStrike">
                 <a:solidFill>
                   <a:srgbClr val="000000"/>
@@ -4091,7 +4092,7 @@
                 <a:spcPct val="100000"/>
               </a:lnSpc>
             </a:pPr>
-            <a:fld id="{0D8FDC6E-B628-4B7C-9AF6-011C0F01271D}" type="slidenum">
+            <a:fld id="{767A6233-62A6-441A-B02F-56896FC72B4F}" type="slidenum">
               <a:rPr b="0" lang="en-GB" sz="1200" spc="-1" strike="noStrike">
                 <a:solidFill>
                   <a:srgbClr val="898989"/>
@@ -4414,7 +4415,7 @@
       </p:grpSpPr>
       <p:sp>
         <p:nvSpPr>
-          <p:cNvPr id="133" name="TextShape 1"/>
+          <p:cNvPr id="131" name="TextShape 1"/>
           <p:cNvSpPr txBox="1"/>
           <p:nvPr/>
         </p:nvSpPr>
@@ -4442,259 +4443,12 @@
                 <a:latin typeface="Calibri"/>
                 <a:ea typeface="MS PGothic"/>
               </a:rPr>
-              <a:t>Python</a:t>
+              <a:t>Bash Shell</a:t>
             </a:r>
             <a:endParaRPr b="0" lang="en-US" sz="4400" spc="-1" strike="noStrike">
               <a:solidFill>
                 <a:srgbClr val="000000"/>
               </a:solidFill>
-              <a:latin typeface="Arial"/>
-            </a:endParaRPr>
-          </a:p>
-        </p:txBody>
-      </p:sp>
-      <p:sp>
-        <p:nvSpPr>
-          <p:cNvPr id="134" name="TextShape 2"/>
-          <p:cNvSpPr txBox="1"/>
-          <p:nvPr/>
-        </p:nvSpPr>
-        <p:spPr>
-          <a:xfrm>
-            <a:off x="3420000" y="1656000"/>
-            <a:ext cx="5580000" cy="5040000"/>
-          </a:xfrm>
-          <a:prstGeom prst="rect">
-            <a:avLst/>
-          </a:prstGeom>
-          <a:noFill/>
-          <a:ln>
-            <a:noFill/>
-          </a:ln>
-        </p:spPr>
-        <p:txBody>
-          <a:bodyPr lIns="90000" rIns="90000" tIns="45000" bIns="45000"/>
-          <a:p>
-            <a:pPr marL="216000" indent="-216000">
-              <a:lnSpc>
-                <a:spcPct val="100000"/>
-              </a:lnSpc>
-              <a:spcBef>
-                <a:spcPts val="1701"/>
-              </a:spcBef>
-              <a:spcAft>
-                <a:spcPts val="1701"/>
-              </a:spcAft>
-              <a:buClr>
-                <a:srgbClr val="000000"/>
-              </a:buClr>
-              <a:buSzPct val="45000"/>
-              <a:buFont typeface="Wingdings" charset="2"/>
-              <a:buChar char=""/>
-            </a:pPr>
-            <a:r>
-              <a:rPr b="0" lang="en-GB" sz="3200" spc="-1" strike="noStrike">
-                <a:solidFill>
-                  <a:srgbClr val="575656"/>
-                </a:solidFill>
-                <a:latin typeface="Calibri"/>
-                <a:ea typeface="Arial Unicode MS"/>
-              </a:rPr>
-              <a:t>Day 1 - PM</a:t>
-            </a:r>
-            <a:endParaRPr b="0" lang="en-GB" sz="3200" spc="-1" strike="noStrike">
-              <a:latin typeface="Arial"/>
-            </a:endParaRPr>
-          </a:p>
-          <a:p>
-            <a:pPr lvl="1" marL="432000" indent="-216000">
-              <a:lnSpc>
-                <a:spcPct val="100000"/>
-              </a:lnSpc>
-              <a:spcBef>
-                <a:spcPts val="1701"/>
-              </a:spcBef>
-              <a:spcAft>
-                <a:spcPts val="1701"/>
-              </a:spcAft>
-              <a:buClr>
-                <a:srgbClr val="000000"/>
-              </a:buClr>
-              <a:buSzPct val="45000"/>
-              <a:buFont typeface="Wingdings" charset="2"/>
-              <a:buChar char=""/>
-            </a:pPr>
-            <a:r>
-              <a:rPr b="0" lang="en-GB" sz="3200" spc="-1" strike="noStrike">
-                <a:solidFill>
-                  <a:srgbClr val="575656"/>
-                </a:solidFill>
-                <a:latin typeface="Calibri"/>
-                <a:ea typeface="Arial Unicode MS"/>
-              </a:rPr>
-              <a:t>James Graham</a:t>
-            </a:r>
-            <a:endParaRPr b="0" lang="en-GB" sz="3200" spc="-1" strike="noStrike">
-              <a:latin typeface="Arial"/>
-            </a:endParaRPr>
-          </a:p>
-          <a:p>
-            <a:pPr marL="216000" indent="-216000">
-              <a:lnSpc>
-                <a:spcPct val="100000"/>
-              </a:lnSpc>
-              <a:spcBef>
-                <a:spcPts val="1701"/>
-              </a:spcBef>
-              <a:spcAft>
-                <a:spcPts val="1701"/>
-              </a:spcAft>
-              <a:buClr>
-                <a:srgbClr val="000000"/>
-              </a:buClr>
-              <a:buSzPct val="45000"/>
-              <a:buFont typeface="Wingdings" charset="2"/>
-              <a:buChar char=""/>
-            </a:pPr>
-            <a:r>
-              <a:rPr b="0" lang="en-GB" sz="3200" spc="-1" strike="noStrike">
-                <a:solidFill>
-                  <a:srgbClr val="575656"/>
-                </a:solidFill>
-                <a:latin typeface="Calibri"/>
-                <a:ea typeface="Arial Unicode MS"/>
-              </a:rPr>
-              <a:t>Day 2 - AM</a:t>
-            </a:r>
-            <a:endParaRPr b="0" lang="en-GB" sz="3200" spc="-1" strike="noStrike">
-              <a:latin typeface="Arial"/>
-            </a:endParaRPr>
-          </a:p>
-          <a:p>
-            <a:pPr lvl="1" marL="432000" indent="-216000">
-              <a:lnSpc>
-                <a:spcPct val="100000"/>
-              </a:lnSpc>
-              <a:spcBef>
-                <a:spcPts val="1701"/>
-              </a:spcBef>
-              <a:spcAft>
-                <a:spcPts val="1701"/>
-              </a:spcAft>
-              <a:buClr>
-                <a:srgbClr val="000000"/>
-              </a:buClr>
-              <a:buSzPct val="45000"/>
-              <a:buFont typeface="Wingdings" charset="2"/>
-              <a:buChar char=""/>
-            </a:pPr>
-            <a:r>
-              <a:rPr b="0" lang="en-GB" sz="3200" spc="-1" strike="noStrike">
-                <a:solidFill>
-                  <a:srgbClr val="575656"/>
-                </a:solidFill>
-                <a:latin typeface="Calibri"/>
-                <a:ea typeface="Arial Unicode MS"/>
-              </a:rPr>
-              <a:t>Steve Crouch</a:t>
-            </a:r>
-            <a:endParaRPr b="0" lang="en-GB" sz="3200" spc="-1" strike="noStrike">
-              <a:latin typeface="Arial"/>
-            </a:endParaRPr>
-          </a:p>
-          <a:p>
-            <a:pPr marL="216000" indent="-216000">
-              <a:lnSpc>
-                <a:spcPct val="100000"/>
-              </a:lnSpc>
-              <a:spcBef>
-                <a:spcPts val="567"/>
-              </a:spcBef>
-              <a:spcAft>
-                <a:spcPts val="567"/>
-              </a:spcAft>
-              <a:buClr>
-                <a:srgbClr val="000000"/>
-              </a:buClr>
-              <a:buSzPct val="45000"/>
-              <a:buFont typeface="Wingdings" charset="2"/>
-              <a:buChar char=""/>
-            </a:pPr>
-            <a:r>
-              <a:rPr b="0" lang="en-GB" sz="3200" spc="-1" strike="noStrike">
-                <a:solidFill>
-                  <a:srgbClr val="575656"/>
-                </a:solidFill>
-                <a:latin typeface="Calibri"/>
-                <a:ea typeface="MS PGothic"/>
-              </a:rPr>
-              <a:t>Beyond syntax…</a:t>
-            </a:r>
-            <a:endParaRPr b="0" lang="en-GB" sz="3200" spc="-1" strike="noStrike">
-              <a:latin typeface="Arial"/>
-            </a:endParaRPr>
-          </a:p>
-          <a:p>
-            <a:pPr marL="216000" indent="-216000">
-              <a:lnSpc>
-                <a:spcPct val="100000"/>
-              </a:lnSpc>
-              <a:spcBef>
-                <a:spcPts val="567"/>
-              </a:spcBef>
-              <a:spcAft>
-                <a:spcPts val="567"/>
-              </a:spcAft>
-              <a:buClr>
-                <a:srgbClr val="000000"/>
-              </a:buClr>
-              <a:buSzPct val="45000"/>
-              <a:buFont typeface="Wingdings" charset="2"/>
-              <a:buChar char=""/>
-            </a:pPr>
-            <a:r>
-              <a:rPr b="0" lang="en-GB" sz="3200" spc="-1" strike="noStrike">
-                <a:solidFill>
-                  <a:srgbClr val="575656"/>
-                </a:solidFill>
-                <a:latin typeface="Calibri"/>
-                <a:ea typeface="MS PGothic"/>
-              </a:rPr>
-              <a:t>How to build programs step-by-step</a:t>
-            </a:r>
-            <a:endParaRPr b="0" lang="en-GB" sz="3200" spc="-1" strike="noStrike">
-              <a:latin typeface="Arial"/>
-            </a:endParaRPr>
-          </a:p>
-          <a:p>
-            <a:pPr marL="216000" indent="-216000">
-              <a:lnSpc>
-                <a:spcPct val="100000"/>
-              </a:lnSpc>
-              <a:spcBef>
-                <a:spcPts val="567"/>
-              </a:spcBef>
-              <a:spcAft>
-                <a:spcPts val="567"/>
-              </a:spcAft>
-              <a:buClr>
-                <a:srgbClr val="000000"/>
-              </a:buClr>
-              <a:buSzPct val="45000"/>
-              <a:buFont typeface="Wingdings" charset="2"/>
-              <a:buChar char=""/>
-            </a:pPr>
-            <a:r>
-              <a:rPr b="0" lang="en-GB" sz="3200" spc="-1" strike="noStrike">
-                <a:solidFill>
-                  <a:srgbClr val="575656"/>
-                </a:solidFill>
-                <a:latin typeface="Calibri"/>
-                <a:ea typeface="MS PGothic"/>
-              </a:rPr>
-              <a:t>Comprehensive, reusable, testable</a:t>
-            </a:r>
-            <a:endParaRPr b="0" lang="en-GB" sz="3200" spc="-1" strike="noStrike">
               <a:latin typeface="Arial"/>
             </a:endParaRPr>
           </a:p>
@@ -4702,7 +4456,7 @@
       </p:sp>
       <p:pic>
         <p:nvPicPr>
-          <p:cNvPr id="135" name="Picture 3" descr=""/>
+          <p:cNvPr id="132" name="Picture 3" descr=""/>
           <p:cNvPicPr/>
           <p:nvPr/>
         </p:nvPicPr>
@@ -4712,8 +4466,8 @@
         </p:blipFill>
         <p:spPr>
           <a:xfrm>
-            <a:off x="19080" y="1371960"/>
-            <a:ext cx="3111840" cy="5532840"/>
+            <a:off x="5293800" y="1377000"/>
+            <a:ext cx="3847320" cy="5505480"/>
           </a:xfrm>
           <a:prstGeom prst="rect">
             <a:avLst/>
@@ -4723,6 +4477,189 @@
           </a:ln>
         </p:spPr>
       </p:pic>
+      <p:sp>
+        <p:nvSpPr>
+          <p:cNvPr id="133" name="TextShape 2"/>
+          <p:cNvSpPr txBox="1"/>
+          <p:nvPr/>
+        </p:nvSpPr>
+        <p:spPr>
+          <a:xfrm>
+            <a:off x="216000" y="1656000"/>
+            <a:ext cx="4824000" cy="4499640"/>
+          </a:xfrm>
+          <a:prstGeom prst="rect">
+            <a:avLst/>
+          </a:prstGeom>
+          <a:noFill/>
+          <a:ln>
+            <a:noFill/>
+          </a:ln>
+        </p:spPr>
+        <p:txBody>
+          <a:bodyPr lIns="90000" rIns="90000" tIns="45000" bIns="45000"/>
+          <a:p>
+            <a:pPr marL="216000" indent="-216000">
+              <a:lnSpc>
+                <a:spcPct val="100000"/>
+              </a:lnSpc>
+              <a:spcBef>
+                <a:spcPts val="2268"/>
+              </a:spcBef>
+              <a:spcAft>
+                <a:spcPts val="2268"/>
+              </a:spcAft>
+              <a:buClr>
+                <a:srgbClr val="000000"/>
+              </a:buClr>
+              <a:buSzPct val="45000"/>
+              <a:buFont typeface="Wingdings" charset="2"/>
+              <a:buChar char=""/>
+            </a:pPr>
+            <a:r>
+              <a:rPr b="0" lang="en-GB" sz="3200" spc="-1" strike="noStrike">
+                <a:solidFill>
+                  <a:srgbClr val="575656"/>
+                </a:solidFill>
+                <a:latin typeface="Calibri"/>
+                <a:ea typeface="Arial Unicode MS"/>
+              </a:rPr>
+              <a:t>Day 1 - AM</a:t>
+            </a:r>
+            <a:endParaRPr b="0" lang="en-GB" sz="3200" spc="-1" strike="noStrike">
+              <a:latin typeface="Arial"/>
+            </a:endParaRPr>
+          </a:p>
+          <a:p>
+            <a:pPr marL="216000" indent="-216000">
+              <a:lnSpc>
+                <a:spcPct val="100000"/>
+              </a:lnSpc>
+              <a:spcBef>
+                <a:spcPts val="2268"/>
+              </a:spcBef>
+              <a:spcAft>
+                <a:spcPts val="2268"/>
+              </a:spcAft>
+              <a:buClr>
+                <a:srgbClr val="000000"/>
+              </a:buClr>
+              <a:buSzPct val="45000"/>
+              <a:buFont typeface="Wingdings" charset="2"/>
+              <a:buChar char=""/>
+            </a:pPr>
+            <a:r>
+              <a:rPr b="0" lang="en-GB" sz="3200" spc="-1" strike="noStrike">
+                <a:solidFill>
+                  <a:srgbClr val="575656"/>
+                </a:solidFill>
+                <a:latin typeface="Calibri"/>
+                <a:ea typeface="Arial Unicode MS"/>
+              </a:rPr>
+              <a:t>Chris Cave-Ayland</a:t>
+            </a:r>
+            <a:endParaRPr b="0" lang="en-GB" sz="3200" spc="-1" strike="noStrike">
+              <a:latin typeface="Arial"/>
+            </a:endParaRPr>
+          </a:p>
+          <a:p>
+            <a:pPr marL="216000" indent="-216000">
+              <a:lnSpc>
+                <a:spcPct val="100000"/>
+              </a:lnSpc>
+              <a:spcBef>
+                <a:spcPts val="2268"/>
+              </a:spcBef>
+              <a:spcAft>
+                <a:spcPts val="2268"/>
+              </a:spcAft>
+              <a:buClr>
+                <a:srgbClr val="000000"/>
+              </a:buClr>
+              <a:buSzPct val="45000"/>
+              <a:buFont typeface="Wingdings" charset="2"/>
+              <a:buChar char=""/>
+            </a:pPr>
+            <a:r>
+              <a:rPr b="0" lang="en-GB" sz="3200" spc="-1" strike="noStrike">
+                <a:solidFill>
+                  <a:srgbClr val="575656"/>
+                </a:solidFill>
+                <a:latin typeface="Calibri"/>
+                <a:ea typeface="Arial Unicode MS"/>
+              </a:rPr>
+              <a:t>Automation</a:t>
+            </a:r>
+            <a:endParaRPr b="0" lang="en-GB" sz="3200" spc="-1" strike="noStrike">
+              <a:latin typeface="Arial"/>
+            </a:endParaRPr>
+          </a:p>
+          <a:p>
+            <a:pPr marL="216000" indent="-216000">
+              <a:lnSpc>
+                <a:spcPct val="100000"/>
+              </a:lnSpc>
+              <a:spcBef>
+                <a:spcPts val="2268"/>
+              </a:spcBef>
+              <a:spcAft>
+                <a:spcPts val="2268"/>
+              </a:spcAft>
+              <a:buClr>
+                <a:srgbClr val="000000"/>
+              </a:buClr>
+              <a:buSzPct val="45000"/>
+              <a:buFont typeface="Wingdings" charset="2"/>
+              <a:buChar char=""/>
+            </a:pPr>
+            <a:r>
+              <a:rPr b="0" lang="en-GB" sz="3200" spc="-1" strike="noStrike">
+                <a:solidFill>
+                  <a:srgbClr val="575656"/>
+                </a:solidFill>
+                <a:latin typeface="Calibri"/>
+                <a:ea typeface="Arial Unicode MS"/>
+              </a:rPr>
+              <a:t>Not just about learning commands</a:t>
+            </a:r>
+            <a:endParaRPr b="0" lang="en-GB" sz="3200" spc="-1" strike="noStrike">
+              <a:latin typeface="Arial"/>
+            </a:endParaRPr>
+          </a:p>
+          <a:p>
+            <a:pPr marL="216000" indent="-216000">
+              <a:lnSpc>
+                <a:spcPct val="100000"/>
+              </a:lnSpc>
+              <a:spcBef>
+                <a:spcPts val="2268"/>
+              </a:spcBef>
+              <a:spcAft>
+                <a:spcPts val="2268"/>
+              </a:spcAft>
+              <a:buClr>
+                <a:srgbClr val="000000"/>
+              </a:buClr>
+              <a:buSzPct val="45000"/>
+              <a:buFont typeface="Wingdings" charset="2"/>
+              <a:buChar char=""/>
+            </a:pPr>
+            <a:r>
+              <a:rPr b="0" lang="en-GB" sz="3200" spc="-1" strike="noStrike">
+                <a:solidFill>
+                  <a:srgbClr val="575656"/>
+                </a:solidFill>
+                <a:latin typeface="Calibri"/>
+                <a:ea typeface="Arial Unicode MS"/>
+              </a:rPr>
+              <a:t>Learning just a few things can make a huge difference to productivity</a:t>
+            </a:r>
+            <a:endParaRPr b="0" lang="en-GB" sz="3200" spc="-1" strike="noStrike">
+              <a:latin typeface="Arial"/>
+            </a:endParaRPr>
+          </a:p>
+        </p:txBody>
+      </p:sp>
     </p:spTree>
   </p:cSld>
 </p:sld>
@@ -4747,7 +4684,7 @@
       </p:grpSpPr>
       <p:sp>
         <p:nvSpPr>
-          <p:cNvPr id="136" name="TextShape 1"/>
+          <p:cNvPr id="134" name="TextShape 1"/>
           <p:cNvSpPr txBox="1"/>
           <p:nvPr/>
         </p:nvSpPr>
@@ -4775,7 +4712,7 @@
                 <a:latin typeface="Calibri"/>
                 <a:ea typeface="MS PGothic"/>
               </a:rPr>
-              <a:t>Version Control (Git)</a:t>
+              <a:t>Python</a:t>
             </a:r>
             <a:endParaRPr b="0" lang="en-US" sz="4400" spc="-1" strike="noStrike">
               <a:solidFill>
@@ -4788,14 +4725,14 @@
       </p:sp>
       <p:sp>
         <p:nvSpPr>
-          <p:cNvPr id="137" name="TextShape 2"/>
+          <p:cNvPr id="135" name="TextShape 2"/>
           <p:cNvSpPr txBox="1"/>
           <p:nvPr/>
         </p:nvSpPr>
         <p:spPr>
           <a:xfrm>
-            <a:off x="216000" y="1656000"/>
-            <a:ext cx="4824000" cy="5050800"/>
+            <a:off x="3420000" y="1656000"/>
+            <a:ext cx="5580000" cy="5040000"/>
           </a:xfrm>
           <a:prstGeom prst="rect">
             <a:avLst/>
@@ -4813,10 +4750,10 @@
                 <a:spcPct val="100000"/>
               </a:lnSpc>
               <a:spcBef>
-                <a:spcPts val="1134"/>
+                <a:spcPts val="1701"/>
               </a:spcBef>
               <a:spcAft>
-                <a:spcPts val="1134"/>
+                <a:spcPts val="1701"/>
               </a:spcAft>
               <a:buClr>
                 <a:srgbClr val="000000"/>
@@ -4833,7 +4770,39 @@
                 <a:latin typeface="Calibri"/>
                 <a:ea typeface="Arial Unicode MS"/>
               </a:rPr>
-              <a:t>Day 2 - PM</a:t>
+              <a:t>Day 1 - PM</a:t>
+            </a:r>
+            <a:endParaRPr b="0" lang="en-GB" sz="3200" spc="-1" strike="noStrike">
+              <a:latin typeface="Arial"/>
+            </a:endParaRPr>
+          </a:p>
+          <a:p>
+            <a:pPr lvl="1" marL="432000" indent="-216000">
+              <a:lnSpc>
+                <a:spcPct val="100000"/>
+              </a:lnSpc>
+              <a:spcBef>
+                <a:spcPts val="1701"/>
+              </a:spcBef>
+              <a:spcAft>
+                <a:spcPts val="1701"/>
+              </a:spcAft>
+              <a:buClr>
+                <a:srgbClr val="000000"/>
+              </a:buClr>
+              <a:buSzPct val="45000"/>
+              <a:buFont typeface="Wingdings" charset="2"/>
+              <a:buChar char=""/>
+            </a:pPr>
+            <a:r>
+              <a:rPr b="0" lang="en-GB" sz="3200" spc="-1" strike="noStrike">
+                <a:solidFill>
+                  <a:srgbClr val="575656"/>
+                </a:solidFill>
+                <a:latin typeface="Calibri"/>
+                <a:ea typeface="Arial Unicode MS"/>
+              </a:rPr>
+              <a:t>James Graham</a:t>
             </a:r>
             <a:endParaRPr b="0" lang="en-GB" sz="3200" spc="-1" strike="noStrike">
               <a:latin typeface="Arial"/>
@@ -4845,10 +4814,10 @@
                 <a:spcPct val="100000"/>
               </a:lnSpc>
               <a:spcBef>
-                <a:spcPts val="1134"/>
+                <a:spcPts val="1701"/>
               </a:spcBef>
               <a:spcAft>
-                <a:spcPts val="1134"/>
+                <a:spcPts val="1701"/>
               </a:spcAft>
               <a:buClr>
                 <a:srgbClr val="000000"/>
@@ -4865,7 +4834,39 @@
                 <a:latin typeface="Calibri"/>
                 <a:ea typeface="Arial Unicode MS"/>
               </a:rPr>
-              <a:t>John Robinson</a:t>
+              <a:t>Day 2 - AM</a:t>
+            </a:r>
+            <a:endParaRPr b="0" lang="en-GB" sz="3200" spc="-1" strike="noStrike">
+              <a:latin typeface="Arial"/>
+            </a:endParaRPr>
+          </a:p>
+          <a:p>
+            <a:pPr lvl="1" marL="432000" indent="-216000">
+              <a:lnSpc>
+                <a:spcPct val="100000"/>
+              </a:lnSpc>
+              <a:spcBef>
+                <a:spcPts val="1701"/>
+              </a:spcBef>
+              <a:spcAft>
+                <a:spcPts val="1701"/>
+              </a:spcAft>
+              <a:buClr>
+                <a:srgbClr val="000000"/>
+              </a:buClr>
+              <a:buSzPct val="45000"/>
+              <a:buFont typeface="Wingdings" charset="2"/>
+              <a:buChar char=""/>
+            </a:pPr>
+            <a:r>
+              <a:rPr b="0" lang="en-GB" sz="3200" spc="-1" strike="noStrike">
+                <a:solidFill>
+                  <a:srgbClr val="575656"/>
+                </a:solidFill>
+                <a:latin typeface="Calibri"/>
+                <a:ea typeface="Arial Unicode MS"/>
+              </a:rPr>
+              <a:t>Steve Crouch</a:t>
             </a:r>
             <a:endParaRPr b="0" lang="en-GB" sz="3200" spc="-1" strike="noStrike">
               <a:latin typeface="Arial"/>
@@ -4877,10 +4878,10 @@
                 <a:spcPct val="100000"/>
               </a:lnSpc>
               <a:spcBef>
-                <a:spcPts val="2268"/>
+                <a:spcPts val="567"/>
               </a:spcBef>
               <a:spcAft>
-                <a:spcPts val="2268"/>
+                <a:spcPts val="567"/>
               </a:spcAft>
               <a:buClr>
                 <a:srgbClr val="000000"/>
@@ -4897,7 +4898,7 @@
                 <a:latin typeface="Calibri"/>
                 <a:ea typeface="MS PGothic"/>
               </a:rPr>
-              <a:t>How has this code changed?</a:t>
+              <a:t>Beyond syntax…</a:t>
             </a:r>
             <a:endParaRPr b="0" lang="en-GB" sz="3200" spc="-1" strike="noStrike">
               <a:latin typeface="Arial"/>
@@ -4909,10 +4910,10 @@
                 <a:spcPct val="100000"/>
               </a:lnSpc>
               <a:spcBef>
-                <a:spcPts val="2268"/>
+                <a:spcPts val="567"/>
               </a:spcBef>
               <a:spcAft>
-                <a:spcPts val="2268"/>
+                <a:spcPts val="567"/>
               </a:spcAft>
               <a:buClr>
                 <a:srgbClr val="000000"/>
@@ -4929,7 +4930,7 @@
                 <a:latin typeface="Calibri"/>
                 <a:ea typeface="MS PGothic"/>
               </a:rPr>
-              <a:t>Who made this change?</a:t>
+              <a:t>How to build programs step-by-step</a:t>
             </a:r>
             <a:endParaRPr b="0" lang="en-GB" sz="3200" spc="-1" strike="noStrike">
               <a:latin typeface="Arial"/>
@@ -4941,10 +4942,10 @@
                 <a:spcPct val="100000"/>
               </a:lnSpc>
               <a:spcBef>
-                <a:spcPts val="2268"/>
+                <a:spcPts val="567"/>
               </a:spcBef>
               <a:spcAft>
-                <a:spcPts val="2268"/>
+                <a:spcPts val="567"/>
               </a:spcAft>
               <a:buClr>
                 <a:srgbClr val="000000"/>
@@ -4961,61 +4962,28 @@
                 <a:latin typeface="Calibri"/>
                 <a:ea typeface="MS PGothic"/>
               </a:rPr>
-              <a:t>Which version of this code was used to generate this result?</a:t>
+              <a:t>Comprehensive, reusable, testable</a:t>
             </a:r>
             <a:endParaRPr b="0" lang="en-GB" sz="3200" spc="-1" strike="noStrike">
               <a:latin typeface="Arial"/>
             </a:endParaRPr>
           </a:p>
-          <a:p>
-            <a:pPr marL="216000" indent="-216000">
-              <a:lnSpc>
-                <a:spcPct val="100000"/>
-              </a:lnSpc>
-              <a:spcBef>
-                <a:spcPts val="2268"/>
-              </a:spcBef>
-              <a:spcAft>
-                <a:spcPts val="2268"/>
-              </a:spcAft>
-              <a:buClr>
-                <a:srgbClr val="000000"/>
-              </a:buClr>
-              <a:buSzPct val="45000"/>
-              <a:buFont typeface="Wingdings" charset="2"/>
-              <a:buChar char=""/>
-            </a:pPr>
-            <a:r>
-              <a:rPr b="0" lang="en-GB" sz="3200" spc="-1" strike="noStrike">
-                <a:solidFill>
-                  <a:srgbClr val="575656"/>
-                </a:solidFill>
-                <a:latin typeface="Calibri"/>
-                <a:ea typeface="MS PGothic"/>
-              </a:rPr>
-              <a:t>Reproducibility</a:t>
-            </a:r>
-            <a:endParaRPr b="0" lang="en-GB" sz="3200" spc="-1" strike="noStrike">
-              <a:latin typeface="Arial"/>
-            </a:endParaRPr>
-          </a:p>
         </p:txBody>
       </p:sp>
       <p:pic>
         <p:nvPicPr>
-          <p:cNvPr id="138" name="Picture 3" descr=""/>
+          <p:cNvPr id="136" name="Picture 3" descr=""/>
           <p:cNvPicPr/>
           <p:nvPr/>
         </p:nvPicPr>
         <p:blipFill>
           <a:blip r:embed="rId1"/>
-          <a:srcRect l="33493" t="0" r="17168" b="11310"/>
           <a:stretch/>
         </p:blipFill>
         <p:spPr>
           <a:xfrm>
-            <a:off x="4969080" y="1927800"/>
-            <a:ext cx="4065840" cy="4380480"/>
+            <a:off x="19080" y="1371960"/>
+            <a:ext cx="3111840" cy="5532840"/>
           </a:xfrm>
           <a:prstGeom prst="rect">
             <a:avLst/>
@@ -5049,7 +5017,7 @@
       </p:grpSpPr>
       <p:sp>
         <p:nvSpPr>
-          <p:cNvPr id="139" name="TextShape 1"/>
+          <p:cNvPr id="137" name="TextShape 1"/>
           <p:cNvSpPr txBox="1"/>
           <p:nvPr/>
         </p:nvSpPr>
@@ -5077,7 +5045,7 @@
                 <a:latin typeface="Calibri"/>
                 <a:ea typeface="MS PGothic"/>
               </a:rPr>
-              <a:t>Software Carpentry</a:t>
+              <a:t>Version Control (Git)</a:t>
             </a:r>
             <a:endParaRPr b="0" lang="en-US" sz="4400" spc="-1" strike="noStrike">
               <a:solidFill>
@@ -5090,14 +5058,14 @@
       </p:sp>
       <p:sp>
         <p:nvSpPr>
-          <p:cNvPr id="140" name="TextShape 2"/>
+          <p:cNvPr id="138" name="TextShape 2"/>
           <p:cNvSpPr txBox="1"/>
           <p:nvPr/>
         </p:nvSpPr>
         <p:spPr>
           <a:xfrm>
-            <a:off x="216000" y="3384000"/>
-            <a:ext cx="8136000" cy="936000"/>
+            <a:off x="216000" y="1656000"/>
+            <a:ext cx="4824000" cy="5050800"/>
           </a:xfrm>
           <a:prstGeom prst="rect">
             <a:avLst/>
@@ -5109,6 +5077,70 @@
         </p:spPr>
         <p:txBody>
           <a:bodyPr lIns="90000" rIns="90000" tIns="45000" bIns="45000"/>
+          <a:p>
+            <a:pPr marL="216000" indent="-216000">
+              <a:lnSpc>
+                <a:spcPct val="100000"/>
+              </a:lnSpc>
+              <a:spcBef>
+                <a:spcPts val="1134"/>
+              </a:spcBef>
+              <a:spcAft>
+                <a:spcPts val="1134"/>
+              </a:spcAft>
+              <a:buClr>
+                <a:srgbClr val="000000"/>
+              </a:buClr>
+              <a:buSzPct val="45000"/>
+              <a:buFont typeface="Wingdings" charset="2"/>
+              <a:buChar char=""/>
+            </a:pPr>
+            <a:r>
+              <a:rPr b="0" lang="en-GB" sz="3200" spc="-1" strike="noStrike">
+                <a:solidFill>
+                  <a:srgbClr val="575656"/>
+                </a:solidFill>
+                <a:latin typeface="Calibri"/>
+                <a:ea typeface="Arial Unicode MS"/>
+              </a:rPr>
+              <a:t>Day 2 - PM</a:t>
+            </a:r>
+            <a:endParaRPr b="0" lang="en-GB" sz="3200" spc="-1" strike="noStrike">
+              <a:latin typeface="Arial"/>
+            </a:endParaRPr>
+          </a:p>
+          <a:p>
+            <a:pPr marL="216000" indent="-216000">
+              <a:lnSpc>
+                <a:spcPct val="100000"/>
+              </a:lnSpc>
+              <a:spcBef>
+                <a:spcPts val="1134"/>
+              </a:spcBef>
+              <a:spcAft>
+                <a:spcPts val="1134"/>
+              </a:spcAft>
+              <a:buClr>
+                <a:srgbClr val="000000"/>
+              </a:buClr>
+              <a:buSzPct val="45000"/>
+              <a:buFont typeface="Wingdings" charset="2"/>
+              <a:buChar char=""/>
+            </a:pPr>
+            <a:r>
+              <a:rPr b="0" lang="en-GB" sz="3200" spc="-1" strike="noStrike">
+                <a:solidFill>
+                  <a:srgbClr val="575656"/>
+                </a:solidFill>
+                <a:latin typeface="Calibri"/>
+                <a:ea typeface="Arial Unicode MS"/>
+              </a:rPr>
+              <a:t>John Robinson</a:t>
+            </a:r>
+            <a:endParaRPr b="0" lang="en-GB" sz="3200" spc="-1" strike="noStrike">
+              <a:latin typeface="Arial"/>
+            </a:endParaRPr>
+          </a:p>
           <a:p>
             <a:pPr marL="216000" indent="-216000">
               <a:lnSpc>
@@ -5128,31 +5160,141 @@
               <a:buChar char=""/>
             </a:pPr>
             <a:r>
-              <a:rPr b="0" lang="en-GB" sz="5400" spc="-1" strike="noStrike">
+              <a:rPr b="0" lang="en-GB" sz="3200" spc="-1" strike="noStrike">
                 <a:solidFill>
                   <a:srgbClr val="575656"/>
                 </a:solidFill>
                 <a:latin typeface="Calibri"/>
-                <a:ea typeface="Arial Unicode MS"/>
-              </a:rPr>
-              <a:t>  </a:t>
-            </a:r>
-            <a:r>
-              <a:rPr b="0" lang="en-GB" sz="5400" spc="-1" strike="noStrike">
+                <a:ea typeface="MS PGothic"/>
+              </a:rPr>
+              <a:t>How has this code changed?</a:t>
+            </a:r>
+            <a:endParaRPr b="0" lang="en-GB" sz="3200" spc="-1" strike="noStrike">
+              <a:latin typeface="Arial"/>
+            </a:endParaRPr>
+          </a:p>
+          <a:p>
+            <a:pPr marL="216000" indent="-216000">
+              <a:lnSpc>
+                <a:spcPct val="100000"/>
+              </a:lnSpc>
+              <a:spcBef>
+                <a:spcPts val="2268"/>
+              </a:spcBef>
+              <a:spcAft>
+                <a:spcPts val="2268"/>
+              </a:spcAft>
+              <a:buClr>
+                <a:srgbClr val="000000"/>
+              </a:buClr>
+              <a:buSzPct val="45000"/>
+              <a:buFont typeface="Wingdings" charset="2"/>
+              <a:buChar char=""/>
+            </a:pPr>
+            <a:r>
+              <a:rPr b="0" lang="en-GB" sz="3200" spc="-1" strike="noStrike">
                 <a:solidFill>
                   <a:srgbClr val="575656"/>
                 </a:solidFill>
                 <a:latin typeface="Calibri"/>
-                <a:ea typeface="Arial Unicode MS"/>
-              </a:rPr>
-              <a:t>Some final words</a:t>
-            </a:r>
-            <a:endParaRPr b="0" lang="en-GB" sz="5400" spc="-1" strike="noStrike">
+                <a:ea typeface="MS PGothic"/>
+              </a:rPr>
+              <a:t>Who made this change?</a:t>
+            </a:r>
+            <a:endParaRPr b="0" lang="en-GB" sz="3200" spc="-1" strike="noStrike">
               <a:latin typeface="Arial"/>
             </a:endParaRPr>
           </a:p>
-        </p:txBody>
-      </p:sp>
+          <a:p>
+            <a:pPr marL="216000" indent="-216000">
+              <a:lnSpc>
+                <a:spcPct val="100000"/>
+              </a:lnSpc>
+              <a:spcBef>
+                <a:spcPts val="2268"/>
+              </a:spcBef>
+              <a:spcAft>
+                <a:spcPts val="2268"/>
+              </a:spcAft>
+              <a:buClr>
+                <a:srgbClr val="000000"/>
+              </a:buClr>
+              <a:buSzPct val="45000"/>
+              <a:buFont typeface="Wingdings" charset="2"/>
+              <a:buChar char=""/>
+            </a:pPr>
+            <a:r>
+              <a:rPr b="0" lang="en-GB" sz="3200" spc="-1" strike="noStrike">
+                <a:solidFill>
+                  <a:srgbClr val="575656"/>
+                </a:solidFill>
+                <a:latin typeface="Calibri"/>
+                <a:ea typeface="MS PGothic"/>
+              </a:rPr>
+              <a:t>Which version of this code was used to generate this result?</a:t>
+            </a:r>
+            <a:endParaRPr b="0" lang="en-GB" sz="3200" spc="-1" strike="noStrike">
+              <a:latin typeface="Arial"/>
+            </a:endParaRPr>
+          </a:p>
+          <a:p>
+            <a:pPr marL="216000" indent="-216000">
+              <a:lnSpc>
+                <a:spcPct val="100000"/>
+              </a:lnSpc>
+              <a:spcBef>
+                <a:spcPts val="2268"/>
+              </a:spcBef>
+              <a:spcAft>
+                <a:spcPts val="2268"/>
+              </a:spcAft>
+              <a:buClr>
+                <a:srgbClr val="000000"/>
+              </a:buClr>
+              <a:buSzPct val="45000"/>
+              <a:buFont typeface="Wingdings" charset="2"/>
+              <a:buChar char=""/>
+            </a:pPr>
+            <a:r>
+              <a:rPr b="0" lang="en-GB" sz="3200" spc="-1" strike="noStrike">
+                <a:solidFill>
+                  <a:srgbClr val="575656"/>
+                </a:solidFill>
+                <a:latin typeface="Calibri"/>
+                <a:ea typeface="MS PGothic"/>
+              </a:rPr>
+              <a:t>Reproducibility</a:t>
+            </a:r>
+            <a:endParaRPr b="0" lang="en-GB" sz="3200" spc="-1" strike="noStrike">
+              <a:latin typeface="Arial"/>
+            </a:endParaRPr>
+          </a:p>
+        </p:txBody>
+      </p:sp>
+      <p:pic>
+        <p:nvPicPr>
+          <p:cNvPr id="139" name="Picture 3" descr=""/>
+          <p:cNvPicPr/>
+          <p:nvPr/>
+        </p:nvPicPr>
+        <p:blipFill>
+          <a:blip r:embed="rId1"/>
+          <a:srcRect l="33493" t="0" r="17168" b="11310"/>
+          <a:stretch/>
+        </p:blipFill>
+        <p:spPr>
+          <a:xfrm>
+            <a:off x="4969080" y="1927800"/>
+            <a:ext cx="4065840" cy="4380480"/>
+          </a:xfrm>
+          <a:prstGeom prst="rect">
+            <a:avLst/>
+          </a:prstGeom>
+          <a:ln>
+            <a:noFill/>
+          </a:ln>
+        </p:spPr>
+      </p:pic>
     </p:spTree>
   </p:cSld>
 </p:sld>
@@ -5177,7 +5319,7 @@
       </p:grpSpPr>
       <p:sp>
         <p:nvSpPr>
-          <p:cNvPr id="141" name="TextShape 1"/>
+          <p:cNvPr id="140" name="TextShape 1"/>
           <p:cNvSpPr txBox="1"/>
           <p:nvPr/>
         </p:nvSpPr>
@@ -5205,7 +5347,7 @@
                 <a:latin typeface="Calibri"/>
                 <a:ea typeface="MS PGothic"/>
               </a:rPr>
-              <a:t>Code of Conduct</a:t>
+              <a:t>Software Carpentry</a:t>
             </a:r>
             <a:endParaRPr b="0" lang="en-US" sz="4400" spc="-1" strike="noStrike">
               <a:solidFill>
@@ -5218,14 +5360,14 @@
       </p:sp>
       <p:sp>
         <p:nvSpPr>
-          <p:cNvPr id="142" name="CustomShape 2"/>
-          <p:cNvSpPr/>
+          <p:cNvPr id="141" name="TextShape 2"/>
+          <p:cNvSpPr txBox="1"/>
           <p:nvPr/>
         </p:nvSpPr>
         <p:spPr>
           <a:xfrm>
-            <a:off x="333360" y="1520640"/>
-            <a:ext cx="8352360" cy="646920"/>
+            <a:off x="216000" y="3384000"/>
+            <a:ext cx="8136000" cy="936000"/>
           </a:xfrm>
           <a:prstGeom prst="rect">
             <a:avLst/>
@@ -5235,65 +5377,52 @@
             <a:noFill/>
           </a:ln>
         </p:spPr>
-        <p:style>
-          <a:lnRef idx="0"/>
-          <a:fillRef idx="0"/>
-          <a:effectRef idx="0"/>
-          <a:fontRef idx="minor"/>
-        </p:style>
         <p:txBody>
           <a:bodyPr lIns="90000" rIns="90000" tIns="45000" bIns="45000"/>
           <a:p>
-            <a:pPr marL="343080" indent="-342000">
+            <a:pPr marL="216000" indent="-216000">
               <a:lnSpc>
                 <a:spcPct val="100000"/>
               </a:lnSpc>
+              <a:spcBef>
+                <a:spcPts val="2268"/>
+              </a:spcBef>
+              <a:spcAft>
+                <a:spcPts val="2268"/>
+              </a:spcAft>
               <a:buClr>
                 <a:srgbClr val="000000"/>
               </a:buClr>
-              <a:buFont typeface="Arial"/>
-              <a:buChar char="•"/>
-            </a:pPr>
-            <a:r>
-              <a:rPr b="0" lang="en-GB" sz="3200" spc="-1" strike="noStrike">
+              <a:buSzPct val="45000"/>
+              <a:buFont typeface="Wingdings" charset="2"/>
+              <a:buChar char=""/>
+            </a:pPr>
+            <a:r>
+              <a:rPr b="0" lang="en-GB" sz="5400" spc="-1" strike="noStrike">
                 <a:solidFill>
                   <a:srgbClr val="575656"/>
                 </a:solidFill>
                 <a:latin typeface="Calibri"/>
-                <a:ea typeface="MS PGothic"/>
-              </a:rPr>
-              <a:t>http://software-carpentry.org/conduct/</a:t>
-            </a:r>
-            <a:endParaRPr b="0" lang="en-GB" sz="3200" spc="-1" strike="noStrike">
+                <a:ea typeface="Arial Unicode MS"/>
+              </a:rPr>
+              <a:t>  </a:t>
+            </a:r>
+            <a:r>
+              <a:rPr b="0" lang="en-GB" sz="5400" spc="-1" strike="noStrike">
+                <a:solidFill>
+                  <a:srgbClr val="575656"/>
+                </a:solidFill>
+                <a:latin typeface="Calibri"/>
+                <a:ea typeface="Arial Unicode MS"/>
+              </a:rPr>
+              <a:t>Some final words</a:t>
+            </a:r>
+            <a:endParaRPr b="0" lang="en-GB" sz="5400" spc="-1" strike="noStrike">
               <a:latin typeface="Arial"/>
             </a:endParaRPr>
           </a:p>
         </p:txBody>
       </p:sp>
-      <p:pic>
-        <p:nvPicPr>
-          <p:cNvPr id="143" name="Picture 4" descr=""/>
-          <p:cNvPicPr/>
-          <p:nvPr/>
-        </p:nvPicPr>
-        <p:blipFill>
-          <a:blip r:embed="rId1"/>
-          <a:srcRect l="0" t="15751" r="1452" b="13917"/>
-          <a:stretch/>
-        </p:blipFill>
-        <p:spPr>
-          <a:xfrm>
-            <a:off x="1198080" y="2283840"/>
-            <a:ext cx="6623640" cy="4574880"/>
-          </a:xfrm>
-          <a:prstGeom prst="rect">
-            <a:avLst/>
-          </a:prstGeom>
-          <a:ln>
-            <a:noFill/>
-          </a:ln>
-        </p:spPr>
-      </p:pic>
     </p:spTree>
   </p:cSld>
 </p:sld>
@@ -5318,7 +5447,7 @@
       </p:grpSpPr>
       <p:sp>
         <p:nvSpPr>
-          <p:cNvPr id="144" name="TextShape 1"/>
+          <p:cNvPr id="142" name="TextShape 1"/>
           <p:cNvSpPr txBox="1"/>
           <p:nvPr/>
         </p:nvSpPr>
@@ -5346,7 +5475,7 @@
                 <a:latin typeface="Calibri"/>
                 <a:ea typeface="MS PGothic"/>
               </a:rPr>
-              <a:t>Need help?</a:t>
+              <a:t>Code of Conduct</a:t>
             </a:r>
             <a:endParaRPr b="0" lang="en-US" sz="4400" spc="-1" strike="noStrike">
               <a:solidFill>
@@ -5359,7 +5488,7 @@
       </p:sp>
       <p:sp>
         <p:nvSpPr>
-          <p:cNvPr id="145" name="CustomShape 2"/>
+          <p:cNvPr id="143" name="CustomShape 2"/>
           <p:cNvSpPr/>
           <p:nvPr/>
         </p:nvSpPr>
@@ -5382,21 +5511,50 @@
           <a:effectRef idx="0"/>
           <a:fontRef idx="minor"/>
         </p:style>
+        <p:txBody>
+          <a:bodyPr lIns="90000" rIns="90000" tIns="45000" bIns="45000"/>
+          <a:p>
+            <a:pPr marL="343080" indent="-342000">
+              <a:lnSpc>
+                <a:spcPct val="100000"/>
+              </a:lnSpc>
+              <a:buClr>
+                <a:srgbClr val="000000"/>
+              </a:buClr>
+              <a:buFont typeface="Arial"/>
+              <a:buChar char="•"/>
+            </a:pPr>
+            <a:r>
+              <a:rPr b="0" lang="en-GB" sz="3200" spc="-1" strike="noStrike">
+                <a:solidFill>
+                  <a:srgbClr val="575656"/>
+                </a:solidFill>
+                <a:latin typeface="Calibri"/>
+                <a:ea typeface="MS PGothic"/>
+              </a:rPr>
+              <a:t>http://software-carpentry.org/conduct/</a:t>
+            </a:r>
+            <a:endParaRPr b="0" lang="en-GB" sz="3200" spc="-1" strike="noStrike">
+              <a:latin typeface="Arial"/>
+            </a:endParaRPr>
+          </a:p>
+        </p:txBody>
       </p:sp>
       <p:pic>
         <p:nvPicPr>
-          <p:cNvPr id="146" name="Picture 3" descr=""/>
+          <p:cNvPr id="144" name="Picture 4" descr=""/>
           <p:cNvPicPr/>
           <p:nvPr/>
         </p:nvPicPr>
         <p:blipFill>
           <a:blip r:embed="rId1"/>
+          <a:srcRect l="0" t="15751" r="1452" b="13917"/>
           <a:stretch/>
         </p:blipFill>
         <p:spPr>
           <a:xfrm>
-            <a:off x="2375640" y="2025000"/>
-            <a:ext cx="4391280" cy="2862720"/>
+            <a:off x="1198080" y="2283840"/>
+            <a:ext cx="6623640" cy="4574880"/>
           </a:xfrm>
           <a:prstGeom prst="rect">
             <a:avLst/>
@@ -5406,44 +5564,6 @@
           </a:ln>
         </p:spPr>
       </p:pic>
-      <p:sp>
-        <p:nvSpPr>
-          <p:cNvPr id="147" name="TextShape 3"/>
-          <p:cNvSpPr txBox="1"/>
-          <p:nvPr/>
-        </p:nvSpPr>
-        <p:spPr>
-          <a:xfrm>
-            <a:off x="1394280" y="5366160"/>
-            <a:ext cx="6260040" cy="650160"/>
-          </a:xfrm>
-          <a:prstGeom prst="rect">
-            <a:avLst/>
-          </a:prstGeom>
-          <a:noFill/>
-          <a:ln>
-            <a:noFill/>
-          </a:ln>
-        </p:spPr>
-        <p:txBody>
-          <a:bodyPr lIns="90000" rIns="90000" tIns="45000" bIns="45000"/>
-          <a:p>
-            <a:r>
-              <a:rPr b="1" i="1" lang="en-GB" sz="4400" spc="-1" strike="noStrike">
-                <a:solidFill>
-                  <a:srgbClr val="000000"/>
-                </a:solidFill>
-                <a:latin typeface="Calibri"/>
-                <a:ea typeface="MS PGothic"/>
-              </a:rPr>
-              <a:t>Say hi to your neighbours!</a:t>
-            </a:r>
-            <a:endParaRPr b="0" lang="en-GB" sz="4400" spc="-1" strike="noStrike">
-              <a:latin typeface="Arial"/>
-            </a:endParaRPr>
-          </a:p>
-        </p:txBody>
-      </p:sp>
     </p:spTree>
   </p:cSld>
 </p:sld>
@@ -5468,7 +5588,7 @@
       </p:grpSpPr>
       <p:sp>
         <p:nvSpPr>
-          <p:cNvPr id="148" name="TextShape 1"/>
+          <p:cNvPr id="145" name="TextShape 1"/>
           <p:cNvSpPr txBox="1"/>
           <p:nvPr/>
         </p:nvSpPr>
@@ -5509,7 +5629,7 @@
       </p:sp>
       <p:sp>
         <p:nvSpPr>
-          <p:cNvPr id="149" name="CustomShape 2"/>
+          <p:cNvPr id="146" name="CustomShape 2"/>
           <p:cNvSpPr/>
           <p:nvPr/>
         </p:nvSpPr>
@@ -5535,7 +5655,7 @@
       </p:sp>
       <p:pic>
         <p:nvPicPr>
-          <p:cNvPr id="150" name="Picture 4" descr=""/>
+          <p:cNvPr id="147" name="Picture 3" descr=""/>
           <p:cNvPicPr/>
           <p:nvPr/>
         </p:nvPicPr>
@@ -5545,8 +5665,8 @@
         </p:blipFill>
         <p:spPr>
           <a:xfrm>
-            <a:off x="1582920" y="1809000"/>
-            <a:ext cx="5977800" cy="3109680"/>
+            <a:off x="2375640" y="2025000"/>
+            <a:ext cx="4391280" cy="2862720"/>
           </a:xfrm>
           <a:prstGeom prst="rect">
             <a:avLst/>
@@ -5558,14 +5678,14 @@
       </p:pic>
       <p:sp>
         <p:nvSpPr>
-          <p:cNvPr id="151" name="TextShape 3"/>
+          <p:cNvPr id="148" name="TextShape 3"/>
           <p:cNvSpPr txBox="1"/>
           <p:nvPr/>
         </p:nvSpPr>
         <p:spPr>
           <a:xfrm>
-            <a:off x="3096000" y="5472000"/>
-            <a:ext cx="2932920" cy="650160"/>
+            <a:off x="1394280" y="5366160"/>
+            <a:ext cx="6260040" cy="650160"/>
           </a:xfrm>
           <a:prstGeom prst="rect">
             <a:avLst/>
@@ -5586,7 +5706,7 @@
                 <a:latin typeface="Calibri"/>
                 <a:ea typeface="MS PGothic"/>
               </a:rPr>
-              <a:t>Sticky notes</a:t>
+              <a:t>Say hi to your neighbours!</a:t>
             </a:r>
             <a:endParaRPr b="0" lang="en-GB" sz="4400" spc="-1" strike="noStrike">
               <a:latin typeface="Arial"/>
@@ -5618,7 +5738,7 @@
       </p:grpSpPr>
       <p:sp>
         <p:nvSpPr>
-          <p:cNvPr id="152" name="TextShape 1"/>
+          <p:cNvPr id="149" name="TextShape 1"/>
           <p:cNvSpPr txBox="1"/>
           <p:nvPr/>
         </p:nvSpPr>
@@ -5659,7 +5779,7 @@
       </p:sp>
       <p:sp>
         <p:nvSpPr>
-          <p:cNvPr id="153" name="CustomShape 2"/>
+          <p:cNvPr id="150" name="CustomShape 2"/>
           <p:cNvSpPr/>
           <p:nvPr/>
         </p:nvSpPr>
@@ -5683,72 +5803,9 @@
           <a:fontRef idx="minor"/>
         </p:style>
       </p:sp>
-      <p:sp>
-        <p:nvSpPr>
-          <p:cNvPr id="154" name="TextShape 3"/>
-          <p:cNvSpPr txBox="1"/>
-          <p:nvPr/>
-        </p:nvSpPr>
-        <p:spPr>
-          <a:xfrm>
-            <a:off x="576000" y="5472000"/>
-            <a:ext cx="7848000" cy="1209240"/>
-          </a:xfrm>
-          <a:prstGeom prst="rect">
-            <a:avLst/>
-          </a:prstGeom>
-          <a:noFill/>
-          <a:ln>
-            <a:noFill/>
-          </a:ln>
-        </p:spPr>
-        <p:txBody>
-          <a:bodyPr lIns="90000" rIns="90000" tIns="45000" bIns="45000"/>
-          <a:p>
-            <a:r>
-              <a:rPr b="1" i="1" lang="en-GB" sz="4400" spc="-1" strike="noStrike">
-                <a:solidFill>
-                  <a:srgbClr val="000000"/>
-                </a:solidFill>
-                <a:latin typeface="Calibri"/>
-                <a:ea typeface="MS PGothic"/>
-              </a:rPr>
-              <a:t>Ask the group in:</a:t>
-            </a:r>
-            <a:endParaRPr b="0" lang="en-GB" sz="4400" spc="-1" strike="noStrike">
-              <a:latin typeface="Arial"/>
-            </a:endParaRPr>
-          </a:p>
-          <a:p>
-            <a:r>
-              <a:rPr b="1" i="1" lang="en-GB" sz="4400" spc="-1" strike="noStrike">
-                <a:solidFill>
-                  <a:srgbClr val="000000"/>
-                </a:solidFill>
-                <a:latin typeface="Calibri"/>
-                <a:ea typeface="MS PGothic"/>
-              </a:rPr>
-              <a:t> </a:t>
-            </a:r>
-            <a:r>
-              <a:rPr b="1" i="1" lang="en-GB" sz="2400" spc="-1" strike="noStrike">
-                <a:solidFill>
-                  <a:srgbClr val="000000"/>
-                </a:solidFill>
-                <a:latin typeface="Calibri"/>
-                <a:ea typeface="MS PGothic"/>
-              </a:rPr>
-              <a:t>https://public.etherpad-mozilla.org/p/SWC-Soton-Sep2018</a:t>
-            </a:r>
-            <a:endParaRPr b="0" lang="en-GB" sz="2400" spc="-1" strike="noStrike">
-              <a:latin typeface="Arial"/>
-            </a:endParaRPr>
-          </a:p>
-        </p:txBody>
-      </p:sp>
       <p:pic>
         <p:nvPicPr>
-          <p:cNvPr id="155" name="Picture 2" descr=""/>
+          <p:cNvPr id="151" name="Picture 4" descr=""/>
           <p:cNvPicPr/>
           <p:nvPr/>
         </p:nvPicPr>
@@ -5758,8 +5815,8 @@
         </p:blipFill>
         <p:spPr>
           <a:xfrm>
-            <a:off x="2303640" y="1932840"/>
-            <a:ext cx="4620600" cy="3075120"/>
+            <a:off x="1582920" y="1809000"/>
+            <a:ext cx="5977800" cy="3109680"/>
           </a:xfrm>
           <a:prstGeom prst="rect">
             <a:avLst/>
@@ -5769,6 +5826,44 @@
           </a:ln>
         </p:spPr>
       </p:pic>
+      <p:sp>
+        <p:nvSpPr>
+          <p:cNvPr id="152" name="TextShape 3"/>
+          <p:cNvSpPr txBox="1"/>
+          <p:nvPr/>
+        </p:nvSpPr>
+        <p:spPr>
+          <a:xfrm>
+            <a:off x="3096000" y="5472000"/>
+            <a:ext cx="2932920" cy="650160"/>
+          </a:xfrm>
+          <a:prstGeom prst="rect">
+            <a:avLst/>
+          </a:prstGeom>
+          <a:noFill/>
+          <a:ln>
+            <a:noFill/>
+          </a:ln>
+        </p:spPr>
+        <p:txBody>
+          <a:bodyPr lIns="90000" rIns="90000" tIns="45000" bIns="45000"/>
+          <a:p>
+            <a:r>
+              <a:rPr b="1" i="1" lang="en-GB" sz="4400" spc="-1" strike="noStrike">
+                <a:solidFill>
+                  <a:srgbClr val="000000"/>
+                </a:solidFill>
+                <a:latin typeface="Calibri"/>
+                <a:ea typeface="MS PGothic"/>
+              </a:rPr>
+              <a:t>Sticky notes</a:t>
+            </a:r>
+            <a:endParaRPr b="0" lang="en-GB" sz="4400" spc="-1" strike="noStrike">
+              <a:latin typeface="Arial"/>
+            </a:endParaRPr>
+          </a:p>
+        </p:txBody>
+      </p:sp>
     </p:spTree>
   </p:cSld>
 </p:sld>
@@ -5793,7 +5888,7 @@
       </p:grpSpPr>
       <p:sp>
         <p:nvSpPr>
-          <p:cNvPr id="156" name="TextShape 1"/>
+          <p:cNvPr id="153" name="TextShape 1"/>
           <p:cNvSpPr txBox="1"/>
           <p:nvPr/>
         </p:nvSpPr>
@@ -5821,7 +5916,7 @@
                 <a:latin typeface="Calibri"/>
                 <a:ea typeface="MS PGothic"/>
               </a:rPr>
-              <a:t>Pre-workshop Survey</a:t>
+              <a:t>Need help?</a:t>
             </a:r>
             <a:endParaRPr b="0" lang="en-US" sz="4400" spc="-1" strike="noStrike">
               <a:solidFill>
@@ -5834,7 +5929,7 @@
       </p:sp>
       <p:sp>
         <p:nvSpPr>
-          <p:cNvPr id="157" name="CustomShape 2"/>
+          <p:cNvPr id="154" name="CustomShape 2"/>
           <p:cNvSpPr/>
           <p:nvPr/>
         </p:nvSpPr>
@@ -5857,6 +5952,181 @@
           <a:effectRef idx="0"/>
           <a:fontRef idx="minor"/>
         </p:style>
+      </p:sp>
+      <p:sp>
+        <p:nvSpPr>
+          <p:cNvPr id="155" name="TextShape 3"/>
+          <p:cNvSpPr txBox="1"/>
+          <p:nvPr/>
+        </p:nvSpPr>
+        <p:spPr>
+          <a:xfrm>
+            <a:off x="576000" y="5472000"/>
+            <a:ext cx="7848000" cy="1209240"/>
+          </a:xfrm>
+          <a:prstGeom prst="rect">
+            <a:avLst/>
+          </a:prstGeom>
+          <a:noFill/>
+          <a:ln>
+            <a:noFill/>
+          </a:ln>
+        </p:spPr>
+        <p:txBody>
+          <a:bodyPr lIns="90000" rIns="90000" tIns="45000" bIns="45000"/>
+          <a:p>
+            <a:r>
+              <a:rPr b="1" i="1" lang="en-GB" sz="4400" spc="-1" strike="noStrike">
+                <a:solidFill>
+                  <a:srgbClr val="000000"/>
+                </a:solidFill>
+                <a:latin typeface="Calibri"/>
+                <a:ea typeface="MS PGothic"/>
+              </a:rPr>
+              <a:t>Ask the group in:</a:t>
+            </a:r>
+            <a:endParaRPr b="0" lang="en-GB" sz="4400" spc="-1" strike="noStrike">
+              <a:latin typeface="Arial"/>
+            </a:endParaRPr>
+          </a:p>
+          <a:p>
+            <a:r>
+              <a:rPr b="1" i="1" lang="en-GB" sz="4400" spc="-1" strike="noStrike">
+                <a:solidFill>
+                  <a:srgbClr val="000000"/>
+                </a:solidFill>
+                <a:latin typeface="Calibri"/>
+                <a:ea typeface="MS PGothic"/>
+              </a:rPr>
+              <a:t> </a:t>
+            </a:r>
+            <a:r>
+              <a:rPr b="1" i="1" lang="en-GB" sz="2400" spc="-1" strike="noStrike">
+                <a:solidFill>
+                  <a:srgbClr val="000000"/>
+                </a:solidFill>
+                <a:latin typeface="Calibri"/>
+                <a:ea typeface="MS PGothic"/>
+              </a:rPr>
+              <a:t>https://public.etherpad-mozilla.org/p/SWC-Soton-Sep2018</a:t>
+            </a:r>
+            <a:endParaRPr b="0" lang="en-GB" sz="2400" spc="-1" strike="noStrike">
+              <a:latin typeface="Arial"/>
+            </a:endParaRPr>
+          </a:p>
+        </p:txBody>
+      </p:sp>
+      <p:pic>
+        <p:nvPicPr>
+          <p:cNvPr id="156" name="Picture 2" descr=""/>
+          <p:cNvPicPr/>
+          <p:nvPr/>
+        </p:nvPicPr>
+        <p:blipFill>
+          <a:blip r:embed="rId1"/>
+          <a:stretch/>
+        </p:blipFill>
+        <p:spPr>
+          <a:xfrm>
+            <a:off x="2303640" y="1932840"/>
+            <a:ext cx="4620600" cy="3075120"/>
+          </a:xfrm>
+          <a:prstGeom prst="rect">
+            <a:avLst/>
+          </a:prstGeom>
+          <a:ln>
+            <a:noFill/>
+          </a:ln>
+        </p:spPr>
+      </p:pic>
+    </p:spTree>
+  </p:cSld>
+</p:sld>
+</file>
+
+<file path=ppt/slides/slide18.xml><?xml version="1.0" encoding="utf-8"?>
+<p:sld xmlns:a="http://schemas.openxmlformats.org/drawingml/2006/main" xmlns:p="http://schemas.openxmlformats.org/presentationml/2006/main" xmlns:r="http://schemas.openxmlformats.org/officeDocument/2006/relationships" xmlns:p14="http://schemas.microsoft.com/office/powerpoint/2010/main" xmlns:p15="http://schemas.microsoft.com/office/powerpoint/2012/main" xmlns:mc="http://schemas.openxmlformats.org/markup-compatibility/2006">
+  <p:cSld>
+    <p:spTree>
+      <p:nvGrpSpPr>
+        <p:cNvPr id="1" name=""/>
+        <p:cNvGrpSpPr/>
+        <p:nvPr/>
+      </p:nvGrpSpPr>
+      <p:grpSpPr>
+        <a:xfrm>
+          <a:off x="0" y="0"/>
+          <a:ext cx="0" cy="0"/>
+          <a:chOff x="0" y="0"/>
+          <a:chExt cx="0" cy="0"/>
+        </a:xfrm>
+      </p:grpSpPr>
+      <p:sp>
+        <p:nvSpPr>
+          <p:cNvPr id="157" name="TextShape 1"/>
+          <p:cNvSpPr txBox="1"/>
+          <p:nvPr/>
+        </p:nvSpPr>
+        <p:spPr>
+          <a:xfrm>
+            <a:off x="792000" y="131760"/>
+            <a:ext cx="6084000" cy="1142640"/>
+          </a:xfrm>
+          <a:prstGeom prst="rect">
+            <a:avLst/>
+          </a:prstGeom>
+          <a:noFill/>
+          <a:ln>
+            <a:noFill/>
+          </a:ln>
+        </p:spPr>
+        <p:txBody>
+          <a:bodyPr anchor="ctr"/>
+          <a:p>
+            <a:r>
+              <a:rPr b="0" lang="en-US" sz="4400" spc="-1" strike="noStrike">
+                <a:solidFill>
+                  <a:srgbClr val="7f6953"/>
+                </a:solidFill>
+                <a:latin typeface="Calibri"/>
+                <a:ea typeface="MS PGothic"/>
+              </a:rPr>
+              <a:t>Pre-workshop Survey</a:t>
+            </a:r>
+            <a:endParaRPr b="0" lang="en-US" sz="4400" spc="-1" strike="noStrike">
+              <a:solidFill>
+                <a:srgbClr val="000000"/>
+              </a:solidFill>
+              <a:latin typeface="Arial"/>
+            </a:endParaRPr>
+          </a:p>
+        </p:txBody>
+      </p:sp>
+      <p:sp>
+        <p:nvSpPr>
+          <p:cNvPr id="158" name="CustomShape 2"/>
+          <p:cNvSpPr/>
+          <p:nvPr/>
+        </p:nvSpPr>
+        <p:spPr>
+          <a:xfrm>
+            <a:off x="333360" y="1520640"/>
+            <a:ext cx="8352360" cy="646920"/>
+          </a:xfrm>
+          <a:prstGeom prst="rect">
+            <a:avLst/>
+          </a:prstGeom>
+          <a:noFill/>
+          <a:ln>
+            <a:noFill/>
+          </a:ln>
+        </p:spPr>
+        <p:style>
+          <a:lnRef idx="0"/>
+          <a:fillRef idx="0"/>
+          <a:effectRef idx="0"/>
+          <a:fontRef idx="minor"/>
+        </p:style>
         <p:txBody>
           <a:bodyPr lIns="90000" rIns="90000" tIns="45000" bIns="45000"/>
           <a:p>
@@ -5877,7 +6147,7 @@
                 </a:solidFill>
                 <a:latin typeface="Calibri"/>
               </a:rPr>
-              <a:t>Help us to help you, by telling what you know</a:t>
+              <a:t>Help us to help you, by telling us what you know</a:t>
             </a:r>
             <a:endParaRPr b="0" lang="en-GB" sz="3200" spc="-1" strike="noStrike">
               <a:latin typeface="Arial"/>
@@ -5916,7 +6186,7 @@
                 </a:solidFill>
                 <a:latin typeface="Calibri"/>
               </a:rPr>
-              <a:t>5 Questions / 2 mins</a:t>
+              <a:t>5 Questions / 1 min</a:t>
             </a:r>
             <a:endParaRPr b="0" lang="en-GB" sz="3200" spc="-1" strike="noStrike">
               <a:latin typeface="Arial"/>
@@ -5938,24 +6208,25 @@
             </a:endParaRPr>
           </a:p>
           <a:p>
-            <a:pPr marL="343080" indent="-342000">
+            <a:pPr lvl="1" marL="432000" indent="-216000">
               <a:lnSpc>
                 <a:spcPct val="100000"/>
               </a:lnSpc>
               <a:buClr>
                 <a:srgbClr val="000000"/>
               </a:buClr>
-              <a:buFont typeface="Arial"/>
-              <a:buChar char="•"/>
-            </a:pPr>
-            <a:r>
-              <a:rPr b="0" lang="en-GB" sz="3200" spc="-1" strike="noStrike">
+              <a:buSzPct val="45000"/>
+              <a:buFont typeface="Wingdings" charset="2"/>
+              <a:buChar char=""/>
+            </a:pPr>
+            <a:r>
+              <a:rPr b="1" lang="en-GB" sz="3200" spc="-1" strike="noStrike">
                 <a:solidFill>
                   <a:srgbClr val="575656"/>
                 </a:solidFill>
                 <a:latin typeface="Calibri"/>
               </a:rPr>
-              <a:t>https://goo.gl/BHCMuL</a:t>
+              <a:t>https://tinyurl.com/swc-nexuss-presurvey</a:t>
             </a:r>
             <a:endParaRPr b="0" lang="en-GB" sz="3200" spc="-1" strike="noStrike">
               <a:latin typeface="Arial"/>
@@ -6030,7 +6301,7 @@
                 <a:latin typeface="Calibri"/>
                 <a:ea typeface="MS PGothic"/>
               </a:rPr>
-              <a:t>Housekeeping</a:t>
+              <a:t>Software Carpentry</a:t>
             </a:r>
             <a:endParaRPr b="0" lang="en-US" sz="4400" spc="-1" strike="noStrike">
               <a:solidFill>
@@ -6063,215 +6334,167 @@
         <p:txBody>
           <a:bodyPr/>
           <a:p>
-            <a:pPr marL="343080" indent="-342720">
-              <a:lnSpc>
-                <a:spcPct val="100000"/>
-              </a:lnSpc>
-              <a:buClr>
-                <a:srgbClr val="000000"/>
-              </a:buClr>
-              <a:buFont typeface="Arial"/>
-              <a:buChar char="•"/>
-            </a:pPr>
-            <a:r>
-              <a:rPr b="1" lang="en-US" sz="3200" spc="-1" strike="noStrike">
-                <a:solidFill>
-                  <a:srgbClr val="575656"/>
-                </a:solidFill>
-                <a:latin typeface="Calibri"/>
-                <a:ea typeface="MS PGothic"/>
-              </a:rPr>
-              <a:t>No fire drills today!</a:t>
-            </a:r>
-            <a:endParaRPr b="0" lang="en-US" sz="3200" spc="-1" strike="noStrike">
-              <a:solidFill>
-                <a:srgbClr val="000000"/>
-              </a:solidFill>
-              <a:latin typeface="Calibri"/>
-            </a:endParaRPr>
-          </a:p>
-          <a:p>
-            <a:pPr marL="343080" indent="-342720">
-              <a:lnSpc>
-                <a:spcPct val="100000"/>
-              </a:lnSpc>
-              <a:buClr>
-                <a:srgbClr val="000000"/>
-              </a:buClr>
-              <a:buFont typeface="Arial"/>
-              <a:buChar char="•"/>
-            </a:pPr>
-            <a:r>
-              <a:rPr b="0" lang="en-US" sz="2800" spc="-1" strike="noStrike">
-                <a:solidFill>
-                  <a:srgbClr val="575656"/>
-                </a:solidFill>
-                <a:latin typeface="Calibri"/>
-                <a:ea typeface="MS PGothic"/>
-              </a:rPr>
-              <a:t>Evacuation route: ?</a:t>
-            </a:r>
-            <a:endParaRPr b="0" lang="en-US" sz="2800" spc="-1" strike="noStrike">
-              <a:solidFill>
-                <a:srgbClr val="000000"/>
-              </a:solidFill>
-              <a:latin typeface="Calibri"/>
-            </a:endParaRPr>
-          </a:p>
-          <a:p>
-            <a:pPr marL="343080" indent="-342720">
-              <a:lnSpc>
-                <a:spcPct val="100000"/>
-              </a:lnSpc>
-              <a:buClr>
-                <a:srgbClr val="000000"/>
-              </a:buClr>
-              <a:buFont typeface="Arial"/>
-              <a:buChar char="•"/>
-            </a:pPr>
-            <a:endParaRPr b="0" lang="en-US" sz="2800" spc="-1" strike="noStrike">
-              <a:solidFill>
-                <a:srgbClr val="000000"/>
-              </a:solidFill>
-              <a:latin typeface="Calibri"/>
-            </a:endParaRPr>
-          </a:p>
-          <a:p>
-            <a:pPr marL="343080" indent="-342720">
-              <a:lnSpc>
-                <a:spcPct val="100000"/>
-              </a:lnSpc>
-              <a:buClr>
-                <a:srgbClr val="000000"/>
-              </a:buClr>
-              <a:buFont typeface="Arial"/>
-              <a:buChar char="•"/>
-            </a:pPr>
-            <a:r>
-              <a:rPr b="1" lang="en-US" sz="3200" spc="-1" strike="noStrike">
-                <a:solidFill>
-                  <a:srgbClr val="575656"/>
-                </a:solidFill>
-                <a:latin typeface="Calibri"/>
-                <a:ea typeface="MS PGothic"/>
-              </a:rPr>
-              <a:t>Toilets</a:t>
-            </a:r>
-            <a:endParaRPr b="0" lang="en-US" sz="3200" spc="-1" strike="noStrike">
-              <a:solidFill>
-                <a:srgbClr val="000000"/>
-              </a:solidFill>
-              <a:latin typeface="Calibri"/>
-            </a:endParaRPr>
-          </a:p>
-          <a:p>
-            <a:pPr marL="343080" indent="-342720">
-              <a:lnSpc>
-                <a:spcPct val="100000"/>
-              </a:lnSpc>
-              <a:buClr>
-                <a:srgbClr val="000000"/>
-              </a:buClr>
-              <a:buFont typeface="Arial"/>
-              <a:buChar char="•"/>
-            </a:pPr>
-            <a:r>
-              <a:rPr b="0" lang="en-US" sz="3200" spc="-1" strike="noStrike">
-                <a:solidFill>
-                  <a:srgbClr val="575656"/>
-                </a:solidFill>
-                <a:latin typeface="Calibri"/>
-                <a:ea typeface="MS PGothic"/>
-              </a:rPr>
-              <a:t>?</a:t>
-            </a:r>
-            <a:endParaRPr b="0" lang="en-US" sz="3200" spc="-1" strike="noStrike">
-              <a:solidFill>
-                <a:srgbClr val="000000"/>
-              </a:solidFill>
-              <a:latin typeface="Calibri"/>
-            </a:endParaRPr>
-          </a:p>
-          <a:p>
-            <a:pPr marL="343080" indent="-342720">
-              <a:lnSpc>
-                <a:spcPct val="100000"/>
-              </a:lnSpc>
-              <a:buClr>
-                <a:srgbClr val="000000"/>
-              </a:buClr>
-              <a:buFont typeface="Arial"/>
-              <a:buChar char="•"/>
-            </a:pPr>
-            <a:r>
-              <a:rPr b="0" lang="en-US" sz="2800" spc="-1" strike="noStrike">
-                <a:solidFill>
-                  <a:srgbClr val="575656"/>
-                </a:solidFill>
-                <a:latin typeface="Calibri"/>
-                <a:ea typeface="MS PGothic"/>
-              </a:rPr>
-              <a:t>Female → ?</a:t>
-            </a:r>
-            <a:endParaRPr b="0" lang="en-US" sz="2800" spc="-1" strike="noStrike">
-              <a:solidFill>
-                <a:srgbClr val="000000"/>
-              </a:solidFill>
-              <a:latin typeface="Calibri"/>
-            </a:endParaRPr>
-          </a:p>
-          <a:p>
-            <a:pPr marL="343080" indent="-342720">
-              <a:lnSpc>
-                <a:spcPct val="100000"/>
-              </a:lnSpc>
+            <a:pPr marL="432000" indent="-324000">
               <a:spcBef>
-                <a:spcPts val="641"/>
+                <a:spcPts val="1417"/>
               </a:spcBef>
               <a:buClr>
                 <a:srgbClr val="000000"/>
               </a:buClr>
-              <a:buFont typeface="Arial"/>
-              <a:buChar char="•"/>
-            </a:pPr>
-            <a:r>
-              <a:rPr b="0" lang="en-US" sz="2800" spc="-1" strike="noStrike">
+              <a:buSzPct val="45000"/>
+              <a:buFont typeface="Wingdings" charset="2"/>
+              <a:buChar char=""/>
+            </a:pPr>
+            <a:r>
+              <a:rPr b="1" lang="en-US" sz="4000" spc="-1" strike="noStrike">
                 <a:solidFill>
                   <a:srgbClr val="575656"/>
                 </a:solidFill>
                 <a:latin typeface="Calibri"/>
-                <a:ea typeface="MS PGothic"/>
-              </a:rPr>
-              <a:t>Male → ?</a:t>
-            </a:r>
-            <a:endParaRPr b="0" lang="en-US" sz="2800" spc="-1" strike="noStrike">
-              <a:solidFill>
-                <a:srgbClr val="000000"/>
-              </a:solidFill>
-              <a:latin typeface="Calibri"/>
-            </a:endParaRPr>
-          </a:p>
-        </p:txBody>
-      </p:sp>
-      <p:sp>
-        <p:nvSpPr>
-          <p:cNvPr id="96" name="TextShape 3"/>
-          <p:cNvSpPr txBox="1"/>
-          <p:nvPr/>
-        </p:nvSpPr>
-        <p:spPr>
-          <a:xfrm>
-            <a:off x="129240" y="3431160"/>
-            <a:ext cx="180720" cy="446040"/>
-          </a:xfrm>
-          <a:prstGeom prst="rect">
-            <a:avLst/>
-          </a:prstGeom>
-          <a:noFill/>
-          <a:ln>
-            <a:noFill/>
-          </a:ln>
-        </p:spPr>
+              </a:rPr>
+              <a:t>Before we start:</a:t>
+            </a:r>
+            <a:endParaRPr b="0" lang="en-US" sz="4000" spc="-1" strike="noStrike">
+              <a:solidFill>
+                <a:srgbClr val="000000"/>
+              </a:solidFill>
+              <a:latin typeface="Calibri"/>
+            </a:endParaRPr>
+          </a:p>
+          <a:p>
+            <a:pPr marL="432000" indent="-324000">
+              <a:spcBef>
+                <a:spcPts val="1417"/>
+              </a:spcBef>
+              <a:buClr>
+                <a:srgbClr val="000000"/>
+              </a:buClr>
+              <a:buSzPct val="45000"/>
+              <a:buFont typeface="Wingdings" charset="2"/>
+              <a:buChar char=""/>
+            </a:pPr>
+            <a:r>
+              <a:rPr b="0" lang="en-US" sz="3200" spc="-1" strike="noStrike">
+                <a:solidFill>
+                  <a:srgbClr val="575656"/>
+                </a:solidFill>
+                <a:latin typeface="Calibri"/>
+              </a:rPr>
+              <a:t>Please ensure you’ve installed the prerequisites</a:t>
+            </a:r>
+            <a:endParaRPr b="0" lang="en-US" sz="3200" spc="-1" strike="noStrike">
+              <a:solidFill>
+                <a:srgbClr val="000000"/>
+              </a:solidFill>
+              <a:latin typeface="Calibri"/>
+            </a:endParaRPr>
+          </a:p>
+          <a:p>
+            <a:pPr lvl="1" marL="864000" indent="-324000">
+              <a:spcBef>
+                <a:spcPts val="1134"/>
+              </a:spcBef>
+              <a:buClr>
+                <a:srgbClr val="000000"/>
+              </a:buClr>
+              <a:buSzPct val="75000"/>
+              <a:buFont typeface="Symbol" charset="2"/>
+              <a:buChar char=""/>
+            </a:pPr>
+            <a:r>
+              <a:rPr b="0" lang="en-US" sz="2400" spc="-1" strike="noStrike">
+                <a:solidFill>
+                  <a:srgbClr val="575656"/>
+                </a:solidFill>
+                <a:latin typeface="Calibri"/>
+                <a:hlinkClick r:id="rId1"/>
+              </a:rPr>
+              <a:t>https://tinyurl.com/swc-nexuss-prereq</a:t>
+            </a:r>
+            <a:endParaRPr b="0" lang="en-US" sz="2400" spc="-1" strike="noStrike">
+              <a:solidFill>
+                <a:srgbClr val="000000"/>
+              </a:solidFill>
+              <a:latin typeface="Calibri"/>
+            </a:endParaRPr>
+          </a:p>
+          <a:p>
+            <a:pPr marL="432000" indent="-324000">
+              <a:spcBef>
+                <a:spcPts val="1417"/>
+              </a:spcBef>
+              <a:buClr>
+                <a:srgbClr val="000000"/>
+              </a:buClr>
+              <a:buSzPct val="45000"/>
+              <a:buFont typeface="Wingdings" charset="2"/>
+              <a:buChar char=""/>
+            </a:pPr>
+            <a:r>
+              <a:rPr b="0" lang="en-US" sz="3200" spc="-1" strike="noStrike">
+                <a:solidFill>
+                  <a:srgbClr val="575656"/>
+                </a:solidFill>
+                <a:latin typeface="Calibri"/>
+              </a:rPr>
+              <a:t>Follow the instructions on the Etherpad to download the code repository</a:t>
+            </a:r>
+            <a:endParaRPr b="0" lang="en-US" sz="3200" spc="-1" strike="noStrike">
+              <a:solidFill>
+                <a:srgbClr val="000000"/>
+              </a:solidFill>
+              <a:latin typeface="Calibri"/>
+            </a:endParaRPr>
+          </a:p>
+          <a:p>
+            <a:pPr lvl="1" marL="864000" indent="-324000">
+              <a:spcBef>
+                <a:spcPts val="1134"/>
+              </a:spcBef>
+              <a:buClr>
+                <a:srgbClr val="000000"/>
+              </a:buClr>
+              <a:buSzPct val="75000"/>
+              <a:buFont typeface="Symbol" charset="2"/>
+              <a:buChar char=""/>
+            </a:pPr>
+            <a:r>
+              <a:rPr b="0" lang="en-US" sz="2400" spc="-1" strike="noStrike">
+                <a:solidFill>
+                  <a:srgbClr val="575656"/>
+                </a:solidFill>
+                <a:latin typeface="Calibri"/>
+                <a:hlinkClick r:id="rId2"/>
+              </a:rPr>
+              <a:t>https://tinyurl.com/swc-nexuss-etherpad</a:t>
+            </a:r>
+            <a:endParaRPr b="0" lang="en-US" sz="2400" spc="-1" strike="noStrike">
+              <a:solidFill>
+                <a:srgbClr val="000000"/>
+              </a:solidFill>
+              <a:latin typeface="Calibri"/>
+            </a:endParaRPr>
+          </a:p>
+          <a:p>
+            <a:pPr marL="432000" indent="-324000">
+              <a:spcBef>
+                <a:spcPts val="1417"/>
+              </a:spcBef>
+              <a:buClr>
+                <a:srgbClr val="000000"/>
+              </a:buClr>
+              <a:buSzPct val="45000"/>
+              <a:buFont typeface="Wingdings" charset="2"/>
+              <a:buChar char=""/>
+            </a:pPr>
+            <a:endParaRPr b="0" lang="en-US" sz="2400" spc="-1" strike="noStrike">
+              <a:solidFill>
+                <a:srgbClr val="000000"/>
+              </a:solidFill>
+              <a:latin typeface="Calibri"/>
+            </a:endParaRPr>
+          </a:p>
+        </p:txBody>
       </p:sp>
     </p:spTree>
   </p:cSld>
@@ -6297,7 +6520,7 @@
       </p:grpSpPr>
       <p:sp>
         <p:nvSpPr>
-          <p:cNvPr id="97" name="TextShape 1"/>
+          <p:cNvPr id="96" name="TextShape 1"/>
           <p:cNvSpPr txBox="1"/>
           <p:nvPr/>
         </p:nvSpPr>
@@ -6338,7 +6561,7 @@
       </p:sp>
       <p:sp>
         <p:nvSpPr>
-          <p:cNvPr id="98" name="TextShape 2"/>
+          <p:cNvPr id="97" name="TextShape 2"/>
           <p:cNvSpPr txBox="1"/>
           <p:nvPr/>
         </p:nvSpPr>
@@ -6369,15 +6592,16 @@
               <a:buFont typeface="Wingdings" charset="2"/>
               <a:buChar char=""/>
             </a:pPr>
-            <a:endParaRPr b="0" lang="en-US" sz="3200" spc="-1" strike="noStrike">
-              <a:solidFill>
-                <a:srgbClr val="000000"/>
-              </a:solidFill>
-              <a:latin typeface="Calibri"/>
-            </a:endParaRPr>
-          </a:p>
-          <a:p>
-            <a:endParaRPr b="0" lang="en-US" sz="3200" spc="-1" strike="noStrike">
+            <a:r>
+              <a:rPr b="1" lang="en-US" sz="4000" spc="-1" strike="noStrike">
+                <a:solidFill>
+                  <a:srgbClr val="575656"/>
+                </a:solidFill>
+                <a:latin typeface="Calibri"/>
+              </a:rPr>
+              <a:t>Housekeeping</a:t>
+            </a:r>
+            <a:endParaRPr b="0" lang="en-US" sz="4000" spc="-1" strike="noStrike">
               <a:solidFill>
                 <a:srgbClr val="000000"/>
               </a:solidFill>
@@ -6403,8 +6627,93 @@
                 </a:solidFill>
                 <a:latin typeface="Calibri"/>
               </a:rPr>
-              <a:t>Why are we here?</a:t>
-            </a:r>
+              <a:t>No fire alarm tests planned</a:t>
+            </a:r>
+            <a:endParaRPr b="0" lang="en-US" sz="3200" spc="-1" strike="noStrike">
+              <a:solidFill>
+                <a:srgbClr val="000000"/>
+              </a:solidFill>
+              <a:latin typeface="Calibri"/>
+            </a:endParaRPr>
+          </a:p>
+          <a:p>
+            <a:pPr lvl="1" marL="864000" indent="-324000">
+              <a:spcBef>
+                <a:spcPts val="1134"/>
+              </a:spcBef>
+              <a:buClr>
+                <a:srgbClr val="000000"/>
+              </a:buClr>
+              <a:buSzPct val="75000"/>
+              <a:buFont typeface="Symbol" charset="2"/>
+              <a:buChar char=""/>
+            </a:pPr>
+            <a:endParaRPr b="0" lang="en-US" sz="3200" spc="-1" strike="noStrike">
+              <a:solidFill>
+                <a:srgbClr val="000000"/>
+              </a:solidFill>
+              <a:latin typeface="Calibri"/>
+            </a:endParaRPr>
+          </a:p>
+          <a:p>
+            <a:pPr marL="432000" indent="-324000">
+              <a:spcBef>
+                <a:spcPts val="1417"/>
+              </a:spcBef>
+              <a:buClr>
+                <a:srgbClr val="000000"/>
+              </a:buClr>
+              <a:buSzPct val="45000"/>
+              <a:buFont typeface="Wingdings" charset="2"/>
+              <a:buChar char=""/>
+            </a:pPr>
+            <a:r>
+              <a:rPr b="0" lang="en-US" sz="3200" spc="-1" strike="noStrike">
+                <a:solidFill>
+                  <a:srgbClr val="575656"/>
+                </a:solidFill>
+                <a:latin typeface="Calibri"/>
+              </a:rPr>
+              <a:t>Toilets</a:t>
+            </a:r>
+            <a:endParaRPr b="0" lang="en-US" sz="3200" spc="-1" strike="noStrike">
+              <a:solidFill>
+                <a:srgbClr val="000000"/>
+              </a:solidFill>
+              <a:latin typeface="Calibri"/>
+            </a:endParaRPr>
+          </a:p>
+          <a:p>
+            <a:pPr lvl="1" marL="864000" indent="-324000">
+              <a:spcBef>
+                <a:spcPts val="1134"/>
+              </a:spcBef>
+              <a:buClr>
+                <a:srgbClr val="000000"/>
+              </a:buClr>
+              <a:buSzPct val="75000"/>
+              <a:buFont typeface="Symbol" charset="2"/>
+              <a:buChar char=""/>
+            </a:pPr>
+            <a:endParaRPr b="0" lang="en-US" sz="3200" spc="-1" strike="noStrike">
+              <a:solidFill>
+                <a:srgbClr val="000000"/>
+              </a:solidFill>
+              <a:latin typeface="Calibri"/>
+            </a:endParaRPr>
+          </a:p>
+          <a:p>
+            <a:pPr marL="432000" indent="-324000">
+              <a:spcBef>
+                <a:spcPts val="1417"/>
+              </a:spcBef>
+              <a:buClr>
+                <a:srgbClr val="000000"/>
+              </a:buClr>
+              <a:buSzPct val="45000"/>
+              <a:buFont typeface="Wingdings" charset="2"/>
+              <a:buChar char=""/>
+            </a:pPr>
             <a:endParaRPr b="0" lang="en-US" sz="3200" spc="-1" strike="noStrike">
               <a:solidFill>
                 <a:srgbClr val="000000"/>
@@ -6438,14 +6747,14 @@
       </p:grpSpPr>
       <p:sp>
         <p:nvSpPr>
-          <p:cNvPr id="99" name="TextShape 1"/>
+          <p:cNvPr id="98" name="TextShape 1"/>
           <p:cNvSpPr txBox="1"/>
           <p:nvPr/>
         </p:nvSpPr>
         <p:spPr>
           <a:xfrm>
-            <a:off x="314280" y="131760"/>
-            <a:ext cx="6561720" cy="1142640"/>
+            <a:off x="792000" y="131760"/>
+            <a:ext cx="6084000" cy="1142640"/>
           </a:xfrm>
           <a:prstGeom prst="rect">
             <a:avLst/>
@@ -6458,11 +6767,6 @@
         <p:txBody>
           <a:bodyPr anchor="ctr"/>
           <a:p>
-            <a:pPr algn="ctr">
-              <a:lnSpc>
-                <a:spcPct val="100000"/>
-              </a:lnSpc>
-            </a:pPr>
             <a:r>
               <a:rPr b="0" lang="en-US" sz="4400" spc="-1" strike="noStrike">
                 <a:solidFill>
@@ -6471,7 +6775,7 @@
                 <a:latin typeface="Calibri"/>
                 <a:ea typeface="MS PGothic"/>
               </a:rPr>
-              <a:t>We should care about software</a:t>
+              <a:t>Software Carpentry</a:t>
             </a:r>
             <a:endParaRPr b="0" lang="en-US" sz="4400" spc="-1" strike="noStrike">
               <a:solidFill>
@@ -6484,7 +6788,7 @@
       </p:sp>
       <p:sp>
         <p:nvSpPr>
-          <p:cNvPr id="100" name="TextShape 2"/>
+          <p:cNvPr id="99" name="TextShape 2"/>
           <p:cNvSpPr txBox="1"/>
           <p:nvPr/>
         </p:nvSpPr>
@@ -6516,13 +6820,41 @@
               <a:buChar char=""/>
             </a:pPr>
             <a:r>
+              <a:rPr b="1" lang="en-US" sz="4000" spc="-1" strike="noStrike">
+                <a:solidFill>
+                  <a:srgbClr val="575656"/>
+                </a:solidFill>
+                <a:latin typeface="Calibri"/>
+              </a:rPr>
+              <a:t>Why are we here?</a:t>
+            </a:r>
+            <a:endParaRPr b="0" lang="en-US" sz="4000" spc="-1" strike="noStrike">
+              <a:solidFill>
+                <a:srgbClr val="000000"/>
+              </a:solidFill>
+              <a:latin typeface="Calibri"/>
+            </a:endParaRPr>
+          </a:p>
+          <a:p>
+            <a:pPr marL="432000" indent="-324000">
+              <a:spcBef>
+                <a:spcPts val="1417"/>
+              </a:spcBef>
+              <a:buClr>
+                <a:srgbClr val="000000"/>
+              </a:buClr>
+              <a:buSzPct val="45000"/>
+              <a:buFont typeface="Wingdings" charset="2"/>
+              <a:buChar char=""/>
+            </a:pPr>
+            <a:r>
               <a:rPr b="0" lang="en-US" sz="3200" spc="-1" strike="noStrike">
                 <a:solidFill>
-                  <a:srgbClr val="000000"/>
-                </a:solidFill>
-                <a:latin typeface="Calibri"/>
-              </a:rPr>
-              <a:t> </a:t>
+                  <a:srgbClr val="575656"/>
+                </a:solidFill>
+                <a:latin typeface="Calibri"/>
+              </a:rPr>
+              <a:t>We’re scientists or engineers</a:t>
             </a:r>
             <a:endParaRPr b="0" lang="en-US" sz="3200" spc="-1" strike="noStrike">
               <a:solidFill>
@@ -6531,665 +6863,89 @@
               <a:latin typeface="Calibri"/>
             </a:endParaRPr>
           </a:p>
-        </p:txBody>
-      </p:sp>
-      <p:sp>
-        <p:nvSpPr>
-          <p:cNvPr id="101" name="CustomShape 3"/>
-          <p:cNvSpPr/>
-          <p:nvPr/>
-        </p:nvSpPr>
-        <p:spPr>
-          <a:xfrm>
-            <a:off x="314640" y="178920"/>
-            <a:ext cx="6885360" cy="1141920"/>
-          </a:xfrm>
-          <a:prstGeom prst="rect">
-            <a:avLst/>
-          </a:prstGeom>
-          <a:noFill/>
-          <a:ln>
-            <a:noFill/>
-          </a:ln>
-        </p:spPr>
-        <p:style>
-          <a:lnRef idx="0"/>
-          <a:fillRef idx="0"/>
-          <a:effectRef idx="0"/>
-          <a:fontRef idx="minor"/>
-        </p:style>
-      </p:sp>
-      <p:sp>
-        <p:nvSpPr>
-          <p:cNvPr id="102" name="Line 4"/>
-          <p:cNvSpPr/>
-          <p:nvPr/>
-        </p:nvSpPr>
-        <p:spPr>
-          <a:xfrm>
-            <a:off x="1845000" y="2075040"/>
-            <a:ext cx="5472720" cy="360"/>
-          </a:xfrm>
-          <a:prstGeom prst="line">
-            <a:avLst/>
-          </a:prstGeom>
-          <a:ln w="9360">
-            <a:solidFill>
-              <a:srgbClr val="4a7ebb"/>
-            </a:solidFill>
-            <a:round/>
-          </a:ln>
-        </p:spPr>
-        <p:style>
-          <a:lnRef idx="0"/>
-          <a:fillRef idx="0"/>
-          <a:effectRef idx="0"/>
-          <a:fontRef idx="minor"/>
-        </p:style>
-      </p:sp>
-      <p:sp>
-        <p:nvSpPr>
-          <p:cNvPr id="103" name="Line 5"/>
-          <p:cNvSpPr/>
-          <p:nvPr/>
-        </p:nvSpPr>
-        <p:spPr>
-          <a:xfrm>
-            <a:off x="1845000" y="2903040"/>
-            <a:ext cx="5472720" cy="360"/>
-          </a:xfrm>
-          <a:prstGeom prst="line">
-            <a:avLst/>
-          </a:prstGeom>
-          <a:ln w="9360">
-            <a:solidFill>
-              <a:srgbClr val="4a7ebb"/>
-            </a:solidFill>
-            <a:round/>
-          </a:ln>
-        </p:spPr>
-        <p:style>
-          <a:lnRef idx="0"/>
-          <a:fillRef idx="0"/>
-          <a:effectRef idx="0"/>
-          <a:fontRef idx="minor"/>
-        </p:style>
-      </p:sp>
-      <p:sp>
-        <p:nvSpPr>
-          <p:cNvPr id="104" name="Line 6"/>
-          <p:cNvSpPr/>
-          <p:nvPr/>
-        </p:nvSpPr>
-        <p:spPr>
-          <a:xfrm>
-            <a:off x="1845000" y="3731040"/>
-            <a:ext cx="5472720" cy="360"/>
-          </a:xfrm>
-          <a:prstGeom prst="line">
-            <a:avLst/>
-          </a:prstGeom>
-          <a:ln w="9360">
-            <a:solidFill>
-              <a:srgbClr val="4a7ebb"/>
-            </a:solidFill>
-            <a:round/>
-          </a:ln>
-        </p:spPr>
-        <p:style>
-          <a:lnRef idx="0"/>
-          <a:fillRef idx="0"/>
-          <a:effectRef idx="0"/>
-          <a:fontRef idx="minor"/>
-        </p:style>
-      </p:sp>
-      <p:sp>
-        <p:nvSpPr>
-          <p:cNvPr id="105" name="Line 7"/>
-          <p:cNvSpPr/>
-          <p:nvPr/>
-        </p:nvSpPr>
-        <p:spPr>
-          <a:xfrm>
-            <a:off x="1845000" y="4559040"/>
-            <a:ext cx="5472720" cy="360"/>
-          </a:xfrm>
-          <a:prstGeom prst="line">
-            <a:avLst/>
-          </a:prstGeom>
-          <a:ln w="9360">
-            <a:solidFill>
-              <a:srgbClr val="4a7ebb"/>
-            </a:solidFill>
-            <a:round/>
-          </a:ln>
-        </p:spPr>
-        <p:style>
-          <a:lnRef idx="0"/>
-          <a:fillRef idx="0"/>
-          <a:effectRef idx="0"/>
-          <a:fontRef idx="minor"/>
-        </p:style>
-      </p:sp>
-      <p:sp>
-        <p:nvSpPr>
-          <p:cNvPr id="106" name="Line 8"/>
-          <p:cNvSpPr/>
-          <p:nvPr/>
-        </p:nvSpPr>
-        <p:spPr>
-          <a:xfrm>
-            <a:off x="1845000" y="5387400"/>
-            <a:ext cx="5472720" cy="360"/>
-          </a:xfrm>
-          <a:prstGeom prst="line">
-            <a:avLst/>
-          </a:prstGeom>
-          <a:ln w="9360">
-            <a:solidFill>
-              <a:srgbClr val="4a7ebb"/>
-            </a:solidFill>
-            <a:round/>
-          </a:ln>
-        </p:spPr>
-        <p:style>
-          <a:lnRef idx="0"/>
-          <a:fillRef idx="0"/>
-          <a:effectRef idx="0"/>
-          <a:fontRef idx="minor"/>
-        </p:style>
-      </p:sp>
-      <p:sp>
-        <p:nvSpPr>
-          <p:cNvPr id="107" name="CustomShape 9"/>
-          <p:cNvSpPr/>
-          <p:nvPr/>
-        </p:nvSpPr>
-        <p:spPr>
-          <a:xfrm>
-            <a:off x="792000" y="5198040"/>
-            <a:ext cx="1016280" cy="455400"/>
-          </a:xfrm>
-          <a:prstGeom prst="rect">
-            <a:avLst/>
-          </a:prstGeom>
-          <a:noFill/>
-          <a:ln>
-            <a:noFill/>
-          </a:ln>
-        </p:spPr>
-        <p:style>
-          <a:lnRef idx="0"/>
-          <a:fillRef idx="0"/>
-          <a:effectRef idx="0"/>
-          <a:fontRef idx="minor"/>
-        </p:style>
-        <p:txBody>
-          <a:bodyPr lIns="90000" rIns="90000" tIns="45000" bIns="45000"/>
-          <a:p>
-            <a:pPr algn="r">
-              <a:lnSpc>
-                <a:spcPct val="100000"/>
-              </a:lnSpc>
-            </a:pPr>
-            <a:r>
-              <a:rPr b="0" lang="en-GB" sz="2400" spc="-1" strike="noStrike">
+          <a:p>
+            <a:pPr lvl="1" marL="864000" indent="-324000">
+              <a:spcBef>
+                <a:spcPts val="1134"/>
+              </a:spcBef>
+              <a:buClr>
+                <a:srgbClr val="000000"/>
+              </a:buClr>
+              <a:buSzPct val="75000"/>
+              <a:buFont typeface="Symbol" charset="2"/>
+              <a:buChar char=""/>
+            </a:pPr>
+            <a:endParaRPr b="0" lang="en-US" sz="3200" spc="-1" strike="noStrike">
+              <a:solidFill>
+                <a:srgbClr val="000000"/>
+              </a:solidFill>
+              <a:latin typeface="Calibri"/>
+            </a:endParaRPr>
+          </a:p>
+          <a:p>
+            <a:pPr marL="432000" indent="-324000">
+              <a:spcBef>
+                <a:spcPts val="1417"/>
+              </a:spcBef>
+              <a:buClr>
+                <a:srgbClr val="000000"/>
+              </a:buClr>
+              <a:buSzPct val="45000"/>
+              <a:buFont typeface="Wingdings" charset="2"/>
+              <a:buChar char=""/>
+            </a:pPr>
+            <a:r>
+              <a:rPr b="0" lang="en-US" sz="3200" spc="-1" strike="noStrike">
                 <a:solidFill>
                   <a:srgbClr val="575656"/>
                 </a:solidFill>
                 <a:latin typeface="Calibri"/>
-                <a:ea typeface="MS PGothic"/>
-              </a:rPr>
-              <a:t>0%</a:t>
-            </a:r>
-            <a:endParaRPr b="0" lang="en-GB" sz="2400" spc="-1" strike="noStrike">
-              <a:latin typeface="Arial"/>
-            </a:endParaRPr>
-          </a:p>
-        </p:txBody>
-      </p:sp>
-      <p:sp>
-        <p:nvSpPr>
-          <p:cNvPr id="108" name="CustomShape 10"/>
-          <p:cNvSpPr/>
-          <p:nvPr/>
-        </p:nvSpPr>
-        <p:spPr>
-          <a:xfrm>
-            <a:off x="792000" y="3542040"/>
-            <a:ext cx="1016280" cy="455400"/>
-          </a:xfrm>
-          <a:prstGeom prst="rect">
-            <a:avLst/>
-          </a:prstGeom>
-          <a:noFill/>
-          <a:ln>
-            <a:noFill/>
-          </a:ln>
-        </p:spPr>
-        <p:style>
-          <a:lnRef idx="0"/>
-          <a:fillRef idx="0"/>
-          <a:effectRef idx="0"/>
-          <a:fontRef idx="minor"/>
-        </p:style>
-        <p:txBody>
-          <a:bodyPr lIns="90000" rIns="90000" tIns="45000" bIns="45000"/>
-          <a:p>
-            <a:pPr algn="r">
-              <a:lnSpc>
-                <a:spcPct val="100000"/>
-              </a:lnSpc>
-            </a:pPr>
-            <a:r>
-              <a:rPr b="0" lang="en-GB" sz="2400" spc="-1" strike="noStrike">
-                <a:solidFill>
-                  <a:srgbClr val="575656"/>
-                </a:solidFill>
-                <a:latin typeface="Calibri"/>
-                <a:ea typeface="MS PGothic"/>
-              </a:rPr>
-              <a:t>50%</a:t>
-            </a:r>
-            <a:endParaRPr b="0" lang="en-GB" sz="2400" spc="-1" strike="noStrike">
-              <a:latin typeface="Arial"/>
-            </a:endParaRPr>
-          </a:p>
-        </p:txBody>
-      </p:sp>
-      <p:sp>
-        <p:nvSpPr>
-          <p:cNvPr id="109" name="CustomShape 11"/>
-          <p:cNvSpPr/>
-          <p:nvPr/>
-        </p:nvSpPr>
-        <p:spPr>
-          <a:xfrm>
-            <a:off x="792000" y="1885680"/>
-            <a:ext cx="1016280" cy="455400"/>
-          </a:xfrm>
-          <a:prstGeom prst="rect">
-            <a:avLst/>
-          </a:prstGeom>
-          <a:noFill/>
-          <a:ln>
-            <a:noFill/>
-          </a:ln>
-        </p:spPr>
-        <p:style>
-          <a:lnRef idx="0"/>
-          <a:fillRef idx="0"/>
-          <a:effectRef idx="0"/>
-          <a:fontRef idx="minor"/>
-        </p:style>
-        <p:txBody>
-          <a:bodyPr lIns="90000" rIns="90000" tIns="45000" bIns="45000"/>
-          <a:p>
-            <a:pPr algn="r">
-              <a:lnSpc>
-                <a:spcPct val="100000"/>
-              </a:lnSpc>
-            </a:pPr>
-            <a:r>
-              <a:rPr b="0" lang="en-GB" sz="2400" spc="-1" strike="noStrike">
-                <a:solidFill>
-                  <a:srgbClr val="575656"/>
-                </a:solidFill>
-                <a:latin typeface="Calibri"/>
-                <a:ea typeface="MS PGothic"/>
-              </a:rPr>
-              <a:t>100%</a:t>
-            </a:r>
-            <a:endParaRPr b="0" lang="en-GB" sz="2400" spc="-1" strike="noStrike">
-              <a:latin typeface="Arial"/>
-            </a:endParaRPr>
-          </a:p>
-        </p:txBody>
-      </p:sp>
-      <p:sp>
-        <p:nvSpPr>
-          <p:cNvPr id="110" name="CustomShape 12"/>
-          <p:cNvSpPr/>
-          <p:nvPr/>
-        </p:nvSpPr>
-        <p:spPr>
-          <a:xfrm>
-            <a:off x="2097360" y="2307600"/>
-            <a:ext cx="1366920" cy="3078720"/>
-          </a:xfrm>
-          <a:prstGeom prst="rect">
-            <a:avLst/>
-          </a:prstGeom>
-          <a:solidFill>
-            <a:srgbClr val="376092"/>
-          </a:solidFill>
-          <a:ln>
-            <a:noFill/>
-          </a:ln>
-        </p:spPr>
-        <p:style>
-          <a:lnRef idx="0"/>
-          <a:fillRef idx="0"/>
-          <a:effectRef idx="0"/>
-          <a:fontRef idx="minor"/>
-        </p:style>
-        <p:txBody>
-          <a:bodyPr lIns="90000" rIns="90000" tIns="45000" bIns="45000"/>
-          <a:p>
-            <a:pPr algn="ctr">
-              <a:lnSpc>
-                <a:spcPct val="100000"/>
-              </a:lnSpc>
-            </a:pPr>
-            <a:r>
-              <a:rPr b="1" lang="en-GB" sz="2800" spc="-1" strike="noStrike">
-                <a:solidFill>
-                  <a:srgbClr val="ffffff"/>
-                </a:solidFill>
-                <a:latin typeface="Arial"/>
-                <a:ea typeface="MS PGothic"/>
-              </a:rPr>
-              <a:t>92%</a:t>
-            </a:r>
-            <a:endParaRPr b="0" lang="en-GB" sz="2800" spc="-1" strike="noStrike">
-              <a:latin typeface="Arial"/>
-            </a:endParaRPr>
-          </a:p>
-        </p:txBody>
-      </p:sp>
-      <p:sp>
-        <p:nvSpPr>
-          <p:cNvPr id="111" name="CustomShape 13"/>
-          <p:cNvSpPr/>
-          <p:nvPr/>
-        </p:nvSpPr>
-        <p:spPr>
-          <a:xfrm>
-            <a:off x="1989360" y="5450040"/>
-            <a:ext cx="1582920" cy="821160"/>
-          </a:xfrm>
-          <a:prstGeom prst="rect">
-            <a:avLst/>
-          </a:prstGeom>
-          <a:noFill/>
-          <a:ln>
-            <a:noFill/>
-          </a:ln>
-        </p:spPr>
-        <p:style>
-          <a:lnRef idx="0"/>
-          <a:fillRef idx="0"/>
-          <a:effectRef idx="0"/>
-          <a:fontRef idx="minor"/>
-        </p:style>
-        <p:txBody>
-          <a:bodyPr lIns="90000" rIns="90000" tIns="45000" bIns="45000"/>
-          <a:p>
-            <a:pPr algn="ctr">
-              <a:lnSpc>
-                <a:spcPct val="100000"/>
-              </a:lnSpc>
-            </a:pPr>
-            <a:r>
-              <a:rPr b="0" lang="en-GB" sz="2400" spc="-1" strike="noStrike">
-                <a:solidFill>
-                  <a:srgbClr val="575656"/>
-                </a:solidFill>
-                <a:latin typeface="Arial"/>
-                <a:ea typeface="MS PGothic"/>
-              </a:rPr>
-              <a:t>Use software</a:t>
-            </a:r>
-            <a:endParaRPr b="0" lang="en-GB" sz="2400" spc="-1" strike="noStrike">
-              <a:latin typeface="Arial"/>
-            </a:endParaRPr>
-          </a:p>
-        </p:txBody>
-      </p:sp>
-      <p:sp>
-        <p:nvSpPr>
-          <p:cNvPr id="112" name="CustomShape 14"/>
-          <p:cNvSpPr/>
-          <p:nvPr/>
-        </p:nvSpPr>
-        <p:spPr>
-          <a:xfrm>
-            <a:off x="3876480" y="3110040"/>
-            <a:ext cx="1366920" cy="2297880"/>
-          </a:xfrm>
-          <a:prstGeom prst="rect">
-            <a:avLst/>
-          </a:prstGeom>
-          <a:solidFill>
-            <a:srgbClr val="376092"/>
-          </a:solidFill>
-          <a:ln>
-            <a:noFill/>
-          </a:ln>
-        </p:spPr>
-        <p:style>
-          <a:lnRef idx="0"/>
-          <a:fillRef idx="0"/>
-          <a:effectRef idx="0"/>
-          <a:fontRef idx="minor"/>
-        </p:style>
-        <p:txBody>
-          <a:bodyPr lIns="90000" rIns="90000" tIns="45000" bIns="45000"/>
-          <a:p>
-            <a:pPr algn="ctr">
-              <a:lnSpc>
-                <a:spcPct val="100000"/>
-              </a:lnSpc>
-            </a:pPr>
-            <a:r>
-              <a:rPr b="1" lang="en-GB" sz="2800" spc="-1" strike="noStrike">
-                <a:solidFill>
-                  <a:srgbClr val="ffffff"/>
-                </a:solidFill>
-                <a:latin typeface="Arial"/>
-                <a:ea typeface="MS PGothic"/>
-              </a:rPr>
-              <a:t>69%</a:t>
-            </a:r>
-            <a:endParaRPr b="0" lang="en-GB" sz="2800" spc="-1" strike="noStrike">
-              <a:latin typeface="Arial"/>
-            </a:endParaRPr>
-          </a:p>
-        </p:txBody>
-      </p:sp>
-      <p:sp>
-        <p:nvSpPr>
-          <p:cNvPr id="113" name="CustomShape 15"/>
-          <p:cNvSpPr/>
-          <p:nvPr/>
-        </p:nvSpPr>
-        <p:spPr>
-          <a:xfrm>
-            <a:off x="3465360" y="5453640"/>
-            <a:ext cx="2026440" cy="821160"/>
-          </a:xfrm>
-          <a:prstGeom prst="rect">
-            <a:avLst/>
-          </a:prstGeom>
-          <a:noFill/>
-          <a:ln>
-            <a:noFill/>
-          </a:ln>
-        </p:spPr>
-        <p:style>
-          <a:lnRef idx="0"/>
-          <a:fillRef idx="0"/>
-          <a:effectRef idx="0"/>
-          <a:fontRef idx="minor"/>
-        </p:style>
-        <p:txBody>
-          <a:bodyPr lIns="90000" rIns="90000" tIns="45000" bIns="45000"/>
-          <a:p>
-            <a:pPr algn="ctr">
-              <a:lnSpc>
-                <a:spcPct val="100000"/>
-              </a:lnSpc>
-            </a:pPr>
-            <a:r>
-              <a:rPr b="0" lang="en-GB" sz="2400" spc="-1" strike="noStrike">
-                <a:solidFill>
-                  <a:srgbClr val="575656"/>
-                </a:solidFill>
-                <a:latin typeface="Calibri"/>
-                <a:ea typeface="MS PGothic"/>
-              </a:rPr>
-              <a:t>Fundamental to results</a:t>
-            </a:r>
-            <a:endParaRPr b="0" lang="en-GB" sz="2400" spc="-1" strike="noStrike">
-              <a:latin typeface="Arial"/>
-            </a:endParaRPr>
-          </a:p>
-        </p:txBody>
-      </p:sp>
-      <p:sp>
-        <p:nvSpPr>
-          <p:cNvPr id="114" name="CustomShape 16"/>
-          <p:cNvSpPr/>
-          <p:nvPr/>
-        </p:nvSpPr>
-        <p:spPr>
-          <a:xfrm>
-            <a:off x="5655960" y="3542040"/>
-            <a:ext cx="1366920" cy="1864440"/>
-          </a:xfrm>
-          <a:prstGeom prst="rect">
-            <a:avLst/>
-          </a:prstGeom>
-          <a:solidFill>
-            <a:srgbClr val="376092"/>
-          </a:solidFill>
-          <a:ln>
-            <a:noFill/>
-          </a:ln>
-        </p:spPr>
-        <p:style>
-          <a:lnRef idx="0"/>
-          <a:fillRef idx="0"/>
-          <a:effectRef idx="0"/>
-          <a:fontRef idx="minor"/>
-        </p:style>
-        <p:txBody>
-          <a:bodyPr lIns="90000" rIns="90000" tIns="45000" bIns="45000"/>
-          <a:p>
-            <a:pPr algn="ctr">
-              <a:lnSpc>
-                <a:spcPct val="100000"/>
-              </a:lnSpc>
-            </a:pPr>
-            <a:r>
-              <a:rPr b="1" lang="en-GB" sz="2800" spc="-1" strike="noStrike">
-                <a:solidFill>
-                  <a:srgbClr val="ffffff"/>
-                </a:solidFill>
-                <a:latin typeface="Arial"/>
-                <a:ea typeface="MS PGothic"/>
-              </a:rPr>
-              <a:t>56%</a:t>
-            </a:r>
-            <a:endParaRPr b="0" lang="en-GB" sz="2800" spc="-1" strike="noStrike">
-              <a:latin typeface="Arial"/>
-            </a:endParaRPr>
-          </a:p>
-        </p:txBody>
-      </p:sp>
-      <p:sp>
-        <p:nvSpPr>
-          <p:cNvPr id="115" name="CustomShape 17"/>
-          <p:cNvSpPr/>
-          <p:nvPr/>
-        </p:nvSpPr>
-        <p:spPr>
-          <a:xfrm>
-            <a:off x="5492880" y="5428800"/>
-            <a:ext cx="1693440" cy="821160"/>
-          </a:xfrm>
-          <a:prstGeom prst="rect">
-            <a:avLst/>
-          </a:prstGeom>
-          <a:noFill/>
-          <a:ln>
-            <a:noFill/>
-          </a:ln>
-        </p:spPr>
-        <p:style>
-          <a:lnRef idx="0"/>
-          <a:fillRef idx="0"/>
-          <a:effectRef idx="0"/>
-          <a:fontRef idx="minor"/>
-        </p:style>
-        <p:txBody>
-          <a:bodyPr lIns="90000" rIns="90000" tIns="45000" bIns="45000"/>
-          <a:p>
-            <a:pPr algn="ctr">
-              <a:lnSpc>
-                <a:spcPct val="100000"/>
-              </a:lnSpc>
-            </a:pPr>
-            <a:r>
-              <a:rPr b="0" lang="en-GB" sz="2400" spc="-1" strike="noStrike">
-                <a:solidFill>
-                  <a:srgbClr val="575656"/>
-                </a:solidFill>
-                <a:latin typeface="Calibri"/>
-                <a:ea typeface="MS PGothic"/>
-              </a:rPr>
-              <a:t>Develop own code</a:t>
-            </a:r>
-            <a:endParaRPr b="0" lang="en-GB" sz="2400" spc="-1" strike="noStrike">
-              <a:latin typeface="Arial"/>
-            </a:endParaRPr>
-          </a:p>
-        </p:txBody>
-      </p:sp>
-      <p:sp>
-        <p:nvSpPr>
-          <p:cNvPr id="116" name="CustomShape 18"/>
-          <p:cNvSpPr/>
-          <p:nvPr/>
-        </p:nvSpPr>
-        <p:spPr>
-          <a:xfrm>
-            <a:off x="5760360" y="6438960"/>
-            <a:ext cx="3138480" cy="231840"/>
-          </a:xfrm>
-          <a:prstGeom prst="rect">
-            <a:avLst/>
-          </a:prstGeom>
-          <a:noFill/>
-          <a:ln>
-            <a:noFill/>
-          </a:ln>
-        </p:spPr>
-        <p:style>
-          <a:lnRef idx="0"/>
-          <a:fillRef idx="0"/>
-          <a:effectRef idx="0"/>
-          <a:fontRef idx="minor"/>
-        </p:style>
-        <p:txBody>
-          <a:bodyPr lIns="90000" rIns="90000" tIns="45000" bIns="45000"/>
-          <a:p>
-            <a:pPr>
-              <a:lnSpc>
-                <a:spcPct val="100000"/>
-              </a:lnSpc>
-            </a:pPr>
-            <a:r>
-              <a:rPr b="0" lang="en-GB" sz="1000" spc="-1" strike="noStrike">
-                <a:solidFill>
-                  <a:srgbClr val="666666"/>
-                </a:solidFill>
-                <a:latin typeface="Arial"/>
-              </a:rPr>
-              <a:t>Source: Software Sustainability Institute Survey 2014</a:t>
-            </a:r>
-            <a:endParaRPr b="0" lang="en-GB" sz="1000" spc="-1" strike="noStrike">
-              <a:latin typeface="Arial"/>
+              </a:rPr>
+              <a:t>Our research involves writing code</a:t>
+            </a:r>
+            <a:endParaRPr b="0" lang="en-US" sz="3200" spc="-1" strike="noStrike">
+              <a:solidFill>
+                <a:srgbClr val="000000"/>
+              </a:solidFill>
+              <a:latin typeface="Calibri"/>
+            </a:endParaRPr>
+          </a:p>
+          <a:p>
+            <a:pPr lvl="1" marL="864000" indent="-324000">
+              <a:spcBef>
+                <a:spcPts val="1134"/>
+              </a:spcBef>
+              <a:buClr>
+                <a:srgbClr val="000000"/>
+              </a:buClr>
+              <a:buSzPct val="75000"/>
+              <a:buFont typeface="Symbol" charset="2"/>
+              <a:buChar char=""/>
+            </a:pPr>
+            <a:endParaRPr b="0" lang="en-US" sz="3200" spc="-1" strike="noStrike">
+              <a:solidFill>
+                <a:srgbClr val="000000"/>
+              </a:solidFill>
+              <a:latin typeface="Calibri"/>
+            </a:endParaRPr>
+          </a:p>
+          <a:p>
+            <a:pPr marL="432000" indent="-324000">
+              <a:spcBef>
+                <a:spcPts val="1417"/>
+              </a:spcBef>
+              <a:buClr>
+                <a:srgbClr val="000000"/>
+              </a:buClr>
+              <a:buSzPct val="45000"/>
+              <a:buFont typeface="Wingdings" charset="2"/>
+              <a:buChar char=""/>
+            </a:pPr>
+            <a:endParaRPr b="0" lang="en-US" sz="3200" spc="-1" strike="noStrike">
+              <a:solidFill>
+                <a:srgbClr val="000000"/>
+              </a:solidFill>
+              <a:latin typeface="Calibri"/>
             </a:endParaRPr>
           </a:p>
         </p:txBody>
@@ -7218,7 +6974,53 @@
       </p:grpSpPr>
       <p:sp>
         <p:nvSpPr>
-          <p:cNvPr id="117" name="TextShape 1"/>
+          <p:cNvPr id="100" name="TextShape 1"/>
+          <p:cNvSpPr txBox="1"/>
+          <p:nvPr/>
+        </p:nvSpPr>
+        <p:spPr>
+          <a:xfrm>
+            <a:off x="314280" y="131760"/>
+            <a:ext cx="6561720" cy="1142640"/>
+          </a:xfrm>
+          <a:prstGeom prst="rect">
+            <a:avLst/>
+          </a:prstGeom>
+          <a:noFill/>
+          <a:ln>
+            <a:noFill/>
+          </a:ln>
+        </p:spPr>
+        <p:txBody>
+          <a:bodyPr anchor="ctr"/>
+          <a:p>
+            <a:pPr algn="ctr">
+              <a:lnSpc>
+                <a:spcPct val="100000"/>
+              </a:lnSpc>
+            </a:pPr>
+            <a:r>
+              <a:rPr b="0" lang="en-US" sz="4400" spc="-1" strike="noStrike">
+                <a:solidFill>
+                  <a:srgbClr val="7f6953"/>
+                </a:solidFill>
+                <a:latin typeface="Calibri"/>
+                <a:ea typeface="MS PGothic"/>
+              </a:rPr>
+              <a:t>We should care about software</a:t>
+            </a:r>
+            <a:endParaRPr b="0" lang="en-US" sz="4400" spc="-1" strike="noStrike">
+              <a:solidFill>
+                <a:srgbClr val="000000"/>
+              </a:solidFill>
+              <a:latin typeface="Arial"/>
+            </a:endParaRPr>
+          </a:p>
+        </p:txBody>
+      </p:sp>
+      <p:sp>
+        <p:nvSpPr>
+          <p:cNvPr id="101" name="TextShape 2"/>
           <p:cNvSpPr txBox="1"/>
           <p:nvPr/>
         </p:nvSpPr>
@@ -7249,6 +7051,15 @@
               <a:buFont typeface="Wingdings" charset="2"/>
               <a:buChar char=""/>
             </a:pPr>
+            <a:r>
+              <a:rPr b="0" lang="en-US" sz="3200" spc="-1" strike="noStrike">
+                <a:solidFill>
+                  <a:srgbClr val="000000"/>
+                </a:solidFill>
+                <a:latin typeface="Calibri"/>
+              </a:rPr>
+              <a:t> </a:t>
+            </a:r>
             <a:endParaRPr b="0" lang="en-US" sz="3200" spc="-1" strike="noStrike">
               <a:solidFill>
                 <a:srgbClr val="000000"/>
@@ -7256,68 +7067,18 @@
               <a:latin typeface="Calibri"/>
             </a:endParaRPr>
           </a:p>
-          <a:p>
-            <a:endParaRPr b="0" lang="en-US" sz="3200" spc="-1" strike="noStrike">
-              <a:solidFill>
-                <a:srgbClr val="000000"/>
-              </a:solidFill>
-              <a:latin typeface="Calibri"/>
-            </a:endParaRPr>
-          </a:p>
-          <a:p>
-            <a:pPr marL="432000" indent="-324000">
-              <a:spcBef>
-                <a:spcPts val="1417"/>
-              </a:spcBef>
-              <a:buClr>
-                <a:srgbClr val="000000"/>
-              </a:buClr>
-              <a:buSzPct val="45000"/>
-              <a:buFont typeface="Wingdings" charset="2"/>
-              <a:buChar char=""/>
-            </a:pPr>
-            <a:endParaRPr b="0" lang="en-US" sz="3200" spc="-1" strike="noStrike">
-              <a:solidFill>
-                <a:srgbClr val="000000"/>
-              </a:solidFill>
-              <a:latin typeface="Calibri"/>
-            </a:endParaRPr>
-          </a:p>
-        </p:txBody>
-      </p:sp>
-      <p:pic>
-        <p:nvPicPr>
-          <p:cNvPr id="118" name="" descr=""/>
-          <p:cNvPicPr/>
+        </p:txBody>
+      </p:sp>
+      <p:sp>
+        <p:nvSpPr>
+          <p:cNvPr id="102" name="CustomShape 3"/>
+          <p:cNvSpPr/>
           <p:nvPr/>
-        </p:nvPicPr>
-        <p:blipFill>
-          <a:blip r:embed="rId1"/>
-          <a:stretch/>
-        </p:blipFill>
-        <p:spPr>
-          <a:xfrm>
-            <a:off x="499320" y="1512000"/>
-            <a:ext cx="7996680" cy="3464640"/>
-          </a:xfrm>
-          <a:prstGeom prst="rect">
-            <a:avLst/>
-          </a:prstGeom>
-          <a:ln>
-            <a:noFill/>
-          </a:ln>
-        </p:spPr>
-      </p:pic>
-      <p:sp>
-        <p:nvSpPr>
-          <p:cNvPr id="119" name="TextShape 2"/>
-          <p:cNvSpPr txBox="1"/>
-          <p:nvPr/>
-        </p:nvSpPr>
-        <p:spPr>
-          <a:xfrm>
-            <a:off x="333360" y="5329440"/>
-            <a:ext cx="8663400" cy="1209600"/>
+        </p:nvSpPr>
+        <p:spPr>
+          <a:xfrm>
+            <a:off x="314640" y="178920"/>
+            <a:ext cx="6885360" cy="1141920"/>
           </a:xfrm>
           <a:prstGeom prst="rect">
             <a:avLst/>
@@ -7327,55 +7088,163 @@
             <a:noFill/>
           </a:ln>
         </p:spPr>
-        <p:txBody>
-          <a:bodyPr lIns="90000" rIns="90000" tIns="45000" bIns="45000"/>
-          <a:p>
-            <a:r>
-              <a:rPr b="0" lang="en-GB" sz="2400" spc="-1" strike="noStrike">
-                <a:solidFill>
-                  <a:srgbClr val="575656"/>
-                </a:solidFill>
-                <a:latin typeface="Calibri"/>
-              </a:rPr>
-              <a:t>We want to set you on the road to writing</a:t>
-            </a:r>
-            <a:endParaRPr b="0" lang="en-GB" sz="2400" spc="-1" strike="noStrike">
-              <a:latin typeface="Arial"/>
-            </a:endParaRPr>
-          </a:p>
-          <a:p>
-            <a:pPr algn="ctr"/>
-            <a:endParaRPr b="0" lang="en-GB" sz="2400" spc="-1" strike="noStrike">
-              <a:latin typeface="Arial"/>
-            </a:endParaRPr>
-          </a:p>
-          <a:p>
-            <a:pPr algn="ctr"/>
-            <a:r>
-              <a:rPr b="1" lang="en-GB" sz="3200" spc="-1" strike="noStrike">
-                <a:solidFill>
-                  <a:srgbClr val="f79448"/>
-                </a:solidFill>
-                <a:latin typeface="Calibri"/>
-              </a:rPr>
-              <a:t>Sustainable Software</a:t>
-            </a:r>
-            <a:endParaRPr b="0" lang="en-GB" sz="3200" spc="-1" strike="noStrike">
-              <a:latin typeface="Arial"/>
-            </a:endParaRPr>
-          </a:p>
-        </p:txBody>
-      </p:sp>
-      <p:sp>
-        <p:nvSpPr>
-          <p:cNvPr id="120" name="TextShape 3"/>
-          <p:cNvSpPr txBox="1"/>
+        <p:style>
+          <a:lnRef idx="0"/>
+          <a:fillRef idx="0"/>
+          <a:effectRef idx="0"/>
+          <a:fontRef idx="minor"/>
+        </p:style>
+      </p:sp>
+      <p:sp>
+        <p:nvSpPr>
+          <p:cNvPr id="103" name="Line 4"/>
+          <p:cNvSpPr/>
           <p:nvPr/>
         </p:nvSpPr>
         <p:spPr>
           <a:xfrm>
-            <a:off x="314640" y="131760"/>
-            <a:ext cx="6561720" cy="1142640"/>
+            <a:off x="1845000" y="2075040"/>
+            <a:ext cx="5472720" cy="360"/>
+          </a:xfrm>
+          <a:prstGeom prst="line">
+            <a:avLst/>
+          </a:prstGeom>
+          <a:ln w="9360">
+            <a:solidFill>
+              <a:srgbClr val="4a7ebb"/>
+            </a:solidFill>
+            <a:round/>
+          </a:ln>
+        </p:spPr>
+        <p:style>
+          <a:lnRef idx="0"/>
+          <a:fillRef idx="0"/>
+          <a:effectRef idx="0"/>
+          <a:fontRef idx="minor"/>
+        </p:style>
+      </p:sp>
+      <p:sp>
+        <p:nvSpPr>
+          <p:cNvPr id="104" name="Line 5"/>
+          <p:cNvSpPr/>
+          <p:nvPr/>
+        </p:nvSpPr>
+        <p:spPr>
+          <a:xfrm>
+            <a:off x="1845000" y="2903040"/>
+            <a:ext cx="5472720" cy="360"/>
+          </a:xfrm>
+          <a:prstGeom prst="line">
+            <a:avLst/>
+          </a:prstGeom>
+          <a:ln w="9360">
+            <a:solidFill>
+              <a:srgbClr val="4a7ebb"/>
+            </a:solidFill>
+            <a:round/>
+          </a:ln>
+        </p:spPr>
+        <p:style>
+          <a:lnRef idx="0"/>
+          <a:fillRef idx="0"/>
+          <a:effectRef idx="0"/>
+          <a:fontRef idx="minor"/>
+        </p:style>
+      </p:sp>
+      <p:sp>
+        <p:nvSpPr>
+          <p:cNvPr id="105" name="Line 6"/>
+          <p:cNvSpPr/>
+          <p:nvPr/>
+        </p:nvSpPr>
+        <p:spPr>
+          <a:xfrm>
+            <a:off x="1845000" y="3731040"/>
+            <a:ext cx="5472720" cy="360"/>
+          </a:xfrm>
+          <a:prstGeom prst="line">
+            <a:avLst/>
+          </a:prstGeom>
+          <a:ln w="9360">
+            <a:solidFill>
+              <a:srgbClr val="4a7ebb"/>
+            </a:solidFill>
+            <a:round/>
+          </a:ln>
+        </p:spPr>
+        <p:style>
+          <a:lnRef idx="0"/>
+          <a:fillRef idx="0"/>
+          <a:effectRef idx="0"/>
+          <a:fontRef idx="minor"/>
+        </p:style>
+      </p:sp>
+      <p:sp>
+        <p:nvSpPr>
+          <p:cNvPr id="106" name="Line 7"/>
+          <p:cNvSpPr/>
+          <p:nvPr/>
+        </p:nvSpPr>
+        <p:spPr>
+          <a:xfrm>
+            <a:off x="1845000" y="4559040"/>
+            <a:ext cx="5472720" cy="360"/>
+          </a:xfrm>
+          <a:prstGeom prst="line">
+            <a:avLst/>
+          </a:prstGeom>
+          <a:ln w="9360">
+            <a:solidFill>
+              <a:srgbClr val="4a7ebb"/>
+            </a:solidFill>
+            <a:round/>
+          </a:ln>
+        </p:spPr>
+        <p:style>
+          <a:lnRef idx="0"/>
+          <a:fillRef idx="0"/>
+          <a:effectRef idx="0"/>
+          <a:fontRef idx="minor"/>
+        </p:style>
+      </p:sp>
+      <p:sp>
+        <p:nvSpPr>
+          <p:cNvPr id="107" name="Line 8"/>
+          <p:cNvSpPr/>
+          <p:nvPr/>
+        </p:nvSpPr>
+        <p:spPr>
+          <a:xfrm>
+            <a:off x="1845000" y="5387400"/>
+            <a:ext cx="5472720" cy="360"/>
+          </a:xfrm>
+          <a:prstGeom prst="line">
+            <a:avLst/>
+          </a:prstGeom>
+          <a:ln w="9360">
+            <a:solidFill>
+              <a:srgbClr val="4a7ebb"/>
+            </a:solidFill>
+            <a:round/>
+          </a:ln>
+        </p:spPr>
+        <p:style>
+          <a:lnRef idx="0"/>
+          <a:fillRef idx="0"/>
+          <a:effectRef idx="0"/>
+          <a:fontRef idx="minor"/>
+        </p:style>
+      </p:sp>
+      <p:sp>
+        <p:nvSpPr>
+          <p:cNvPr id="108" name="CustomShape 9"/>
+          <p:cNvSpPr/>
+          <p:nvPr/>
+        </p:nvSpPr>
+        <p:spPr>
+          <a:xfrm>
+            <a:off x="792000" y="5198040"/>
+            <a:ext cx="1016280" cy="455400"/>
           </a:xfrm>
           <a:prstGeom prst="rect">
             <a:avLst/>
@@ -7385,8 +7254,163 @@
             <a:noFill/>
           </a:ln>
         </p:spPr>
-        <p:txBody>
-          <a:bodyPr anchor="ctr"/>
+        <p:style>
+          <a:lnRef idx="0"/>
+          <a:fillRef idx="0"/>
+          <a:effectRef idx="0"/>
+          <a:fontRef idx="minor"/>
+        </p:style>
+        <p:txBody>
+          <a:bodyPr lIns="90000" rIns="90000" tIns="45000" bIns="45000"/>
+          <a:p>
+            <a:pPr algn="r">
+              <a:lnSpc>
+                <a:spcPct val="100000"/>
+              </a:lnSpc>
+            </a:pPr>
+            <a:r>
+              <a:rPr b="0" lang="en-GB" sz="2400" spc="-1" strike="noStrike">
+                <a:solidFill>
+                  <a:srgbClr val="575656"/>
+                </a:solidFill>
+                <a:latin typeface="Calibri"/>
+                <a:ea typeface="MS PGothic"/>
+              </a:rPr>
+              <a:t>0%</a:t>
+            </a:r>
+            <a:endParaRPr b="0" lang="en-GB" sz="2400" spc="-1" strike="noStrike">
+              <a:latin typeface="Arial"/>
+            </a:endParaRPr>
+          </a:p>
+        </p:txBody>
+      </p:sp>
+      <p:sp>
+        <p:nvSpPr>
+          <p:cNvPr id="109" name="CustomShape 10"/>
+          <p:cNvSpPr/>
+          <p:nvPr/>
+        </p:nvSpPr>
+        <p:spPr>
+          <a:xfrm>
+            <a:off x="792000" y="3542040"/>
+            <a:ext cx="1016280" cy="455400"/>
+          </a:xfrm>
+          <a:prstGeom prst="rect">
+            <a:avLst/>
+          </a:prstGeom>
+          <a:noFill/>
+          <a:ln>
+            <a:noFill/>
+          </a:ln>
+        </p:spPr>
+        <p:style>
+          <a:lnRef idx="0"/>
+          <a:fillRef idx="0"/>
+          <a:effectRef idx="0"/>
+          <a:fontRef idx="minor"/>
+        </p:style>
+        <p:txBody>
+          <a:bodyPr lIns="90000" rIns="90000" tIns="45000" bIns="45000"/>
+          <a:p>
+            <a:pPr algn="r">
+              <a:lnSpc>
+                <a:spcPct val="100000"/>
+              </a:lnSpc>
+            </a:pPr>
+            <a:r>
+              <a:rPr b="0" lang="en-GB" sz="2400" spc="-1" strike="noStrike">
+                <a:solidFill>
+                  <a:srgbClr val="575656"/>
+                </a:solidFill>
+                <a:latin typeface="Calibri"/>
+                <a:ea typeface="MS PGothic"/>
+              </a:rPr>
+              <a:t>50%</a:t>
+            </a:r>
+            <a:endParaRPr b="0" lang="en-GB" sz="2400" spc="-1" strike="noStrike">
+              <a:latin typeface="Arial"/>
+            </a:endParaRPr>
+          </a:p>
+        </p:txBody>
+      </p:sp>
+      <p:sp>
+        <p:nvSpPr>
+          <p:cNvPr id="110" name="CustomShape 11"/>
+          <p:cNvSpPr/>
+          <p:nvPr/>
+        </p:nvSpPr>
+        <p:spPr>
+          <a:xfrm>
+            <a:off x="792000" y="1885680"/>
+            <a:ext cx="1016280" cy="455400"/>
+          </a:xfrm>
+          <a:prstGeom prst="rect">
+            <a:avLst/>
+          </a:prstGeom>
+          <a:noFill/>
+          <a:ln>
+            <a:noFill/>
+          </a:ln>
+        </p:spPr>
+        <p:style>
+          <a:lnRef idx="0"/>
+          <a:fillRef idx="0"/>
+          <a:effectRef idx="0"/>
+          <a:fontRef idx="minor"/>
+        </p:style>
+        <p:txBody>
+          <a:bodyPr lIns="90000" rIns="90000" tIns="45000" bIns="45000"/>
+          <a:p>
+            <a:pPr algn="r">
+              <a:lnSpc>
+                <a:spcPct val="100000"/>
+              </a:lnSpc>
+            </a:pPr>
+            <a:r>
+              <a:rPr b="0" lang="en-GB" sz="2400" spc="-1" strike="noStrike">
+                <a:solidFill>
+                  <a:srgbClr val="575656"/>
+                </a:solidFill>
+                <a:latin typeface="Calibri"/>
+                <a:ea typeface="MS PGothic"/>
+              </a:rPr>
+              <a:t>100%</a:t>
+            </a:r>
+            <a:endParaRPr b="0" lang="en-GB" sz="2400" spc="-1" strike="noStrike">
+              <a:latin typeface="Arial"/>
+            </a:endParaRPr>
+          </a:p>
+        </p:txBody>
+      </p:sp>
+      <p:sp>
+        <p:nvSpPr>
+          <p:cNvPr id="111" name="CustomShape 12"/>
+          <p:cNvSpPr/>
+          <p:nvPr/>
+        </p:nvSpPr>
+        <p:spPr>
+          <a:xfrm>
+            <a:off x="2097360" y="2307600"/>
+            <a:ext cx="1366920" cy="3078720"/>
+          </a:xfrm>
+          <a:prstGeom prst="rect">
+            <a:avLst/>
+          </a:prstGeom>
+          <a:solidFill>
+            <a:srgbClr val="376092"/>
+          </a:solidFill>
+          <a:ln>
+            <a:noFill/>
+          </a:ln>
+        </p:spPr>
+        <p:style>
+          <a:lnRef idx="0"/>
+          <a:fillRef idx="0"/>
+          <a:effectRef idx="0"/>
+          <a:fontRef idx="minor"/>
+        </p:style>
+        <p:txBody>
+          <a:bodyPr lIns="90000" rIns="90000" tIns="45000" bIns="45000"/>
           <a:p>
             <a:pPr algn="ctr">
               <a:lnSpc>
@@ -7394,19 +7418,313 @@
               </a:lnSpc>
             </a:pPr>
             <a:r>
-              <a:rPr b="0" lang="en-US" sz="4400" spc="-1" strike="noStrike">
-                <a:solidFill>
-                  <a:srgbClr val="7f6953"/>
-                </a:solidFill>
-                <a:latin typeface="Calibri"/>
+              <a:rPr b="1" lang="en-GB" sz="2800" spc="-1" strike="noStrike">
+                <a:solidFill>
+                  <a:srgbClr val="ffffff"/>
+                </a:solidFill>
+                <a:latin typeface="Arial"/>
                 <a:ea typeface="MS PGothic"/>
               </a:rPr>
-              <a:t>We should care about software</a:t>
-            </a:r>
-            <a:endParaRPr b="0" lang="en-US" sz="4400" spc="-1" strike="noStrike">
-              <a:solidFill>
-                <a:srgbClr val="000000"/>
-              </a:solidFill>
+              <a:t>92%</a:t>
+            </a:r>
+            <a:endParaRPr b="0" lang="en-GB" sz="2800" spc="-1" strike="noStrike">
+              <a:latin typeface="Arial"/>
+            </a:endParaRPr>
+          </a:p>
+        </p:txBody>
+      </p:sp>
+      <p:sp>
+        <p:nvSpPr>
+          <p:cNvPr id="112" name="CustomShape 13"/>
+          <p:cNvSpPr/>
+          <p:nvPr/>
+        </p:nvSpPr>
+        <p:spPr>
+          <a:xfrm>
+            <a:off x="1989360" y="5450040"/>
+            <a:ext cx="1582920" cy="821160"/>
+          </a:xfrm>
+          <a:prstGeom prst="rect">
+            <a:avLst/>
+          </a:prstGeom>
+          <a:noFill/>
+          <a:ln>
+            <a:noFill/>
+          </a:ln>
+        </p:spPr>
+        <p:style>
+          <a:lnRef idx="0"/>
+          <a:fillRef idx="0"/>
+          <a:effectRef idx="0"/>
+          <a:fontRef idx="minor"/>
+        </p:style>
+        <p:txBody>
+          <a:bodyPr lIns="90000" rIns="90000" tIns="45000" bIns="45000"/>
+          <a:p>
+            <a:pPr algn="ctr">
+              <a:lnSpc>
+                <a:spcPct val="100000"/>
+              </a:lnSpc>
+            </a:pPr>
+            <a:r>
+              <a:rPr b="0" lang="en-GB" sz="2400" spc="-1" strike="noStrike">
+                <a:solidFill>
+                  <a:srgbClr val="575656"/>
+                </a:solidFill>
+                <a:latin typeface="Arial"/>
+                <a:ea typeface="MS PGothic"/>
+              </a:rPr>
+              <a:t>Use software</a:t>
+            </a:r>
+            <a:endParaRPr b="0" lang="en-GB" sz="2400" spc="-1" strike="noStrike">
+              <a:latin typeface="Arial"/>
+            </a:endParaRPr>
+          </a:p>
+        </p:txBody>
+      </p:sp>
+      <p:sp>
+        <p:nvSpPr>
+          <p:cNvPr id="113" name="CustomShape 14"/>
+          <p:cNvSpPr/>
+          <p:nvPr/>
+        </p:nvSpPr>
+        <p:spPr>
+          <a:xfrm>
+            <a:off x="3876480" y="3110040"/>
+            <a:ext cx="1366920" cy="2297880"/>
+          </a:xfrm>
+          <a:prstGeom prst="rect">
+            <a:avLst/>
+          </a:prstGeom>
+          <a:solidFill>
+            <a:srgbClr val="376092"/>
+          </a:solidFill>
+          <a:ln>
+            <a:noFill/>
+          </a:ln>
+        </p:spPr>
+        <p:style>
+          <a:lnRef idx="0"/>
+          <a:fillRef idx="0"/>
+          <a:effectRef idx="0"/>
+          <a:fontRef idx="minor"/>
+        </p:style>
+        <p:txBody>
+          <a:bodyPr lIns="90000" rIns="90000" tIns="45000" bIns="45000"/>
+          <a:p>
+            <a:pPr algn="ctr">
+              <a:lnSpc>
+                <a:spcPct val="100000"/>
+              </a:lnSpc>
+            </a:pPr>
+            <a:r>
+              <a:rPr b="1" lang="en-GB" sz="2800" spc="-1" strike="noStrike">
+                <a:solidFill>
+                  <a:srgbClr val="ffffff"/>
+                </a:solidFill>
+                <a:latin typeface="Arial"/>
+                <a:ea typeface="MS PGothic"/>
+              </a:rPr>
+              <a:t>69%</a:t>
+            </a:r>
+            <a:endParaRPr b="0" lang="en-GB" sz="2800" spc="-1" strike="noStrike">
+              <a:latin typeface="Arial"/>
+            </a:endParaRPr>
+          </a:p>
+        </p:txBody>
+      </p:sp>
+      <p:sp>
+        <p:nvSpPr>
+          <p:cNvPr id="114" name="CustomShape 15"/>
+          <p:cNvSpPr/>
+          <p:nvPr/>
+        </p:nvSpPr>
+        <p:spPr>
+          <a:xfrm>
+            <a:off x="3465360" y="5453640"/>
+            <a:ext cx="2026440" cy="821160"/>
+          </a:xfrm>
+          <a:prstGeom prst="rect">
+            <a:avLst/>
+          </a:prstGeom>
+          <a:noFill/>
+          <a:ln>
+            <a:noFill/>
+          </a:ln>
+        </p:spPr>
+        <p:style>
+          <a:lnRef idx="0"/>
+          <a:fillRef idx="0"/>
+          <a:effectRef idx="0"/>
+          <a:fontRef idx="minor"/>
+        </p:style>
+        <p:txBody>
+          <a:bodyPr lIns="90000" rIns="90000" tIns="45000" bIns="45000"/>
+          <a:p>
+            <a:pPr algn="ctr">
+              <a:lnSpc>
+                <a:spcPct val="100000"/>
+              </a:lnSpc>
+            </a:pPr>
+            <a:r>
+              <a:rPr b="0" lang="en-GB" sz="2400" spc="-1" strike="noStrike">
+                <a:solidFill>
+                  <a:srgbClr val="575656"/>
+                </a:solidFill>
+                <a:latin typeface="Calibri"/>
+                <a:ea typeface="MS PGothic"/>
+              </a:rPr>
+              <a:t>Fundamental to results</a:t>
+            </a:r>
+            <a:endParaRPr b="0" lang="en-GB" sz="2400" spc="-1" strike="noStrike">
+              <a:latin typeface="Arial"/>
+            </a:endParaRPr>
+          </a:p>
+        </p:txBody>
+      </p:sp>
+      <p:sp>
+        <p:nvSpPr>
+          <p:cNvPr id="115" name="CustomShape 16"/>
+          <p:cNvSpPr/>
+          <p:nvPr/>
+        </p:nvSpPr>
+        <p:spPr>
+          <a:xfrm>
+            <a:off x="5655960" y="3542040"/>
+            <a:ext cx="1366920" cy="1864440"/>
+          </a:xfrm>
+          <a:prstGeom prst="rect">
+            <a:avLst/>
+          </a:prstGeom>
+          <a:solidFill>
+            <a:srgbClr val="376092"/>
+          </a:solidFill>
+          <a:ln>
+            <a:noFill/>
+          </a:ln>
+        </p:spPr>
+        <p:style>
+          <a:lnRef idx="0"/>
+          <a:fillRef idx="0"/>
+          <a:effectRef idx="0"/>
+          <a:fontRef idx="minor"/>
+        </p:style>
+        <p:txBody>
+          <a:bodyPr lIns="90000" rIns="90000" tIns="45000" bIns="45000"/>
+          <a:p>
+            <a:pPr algn="ctr">
+              <a:lnSpc>
+                <a:spcPct val="100000"/>
+              </a:lnSpc>
+            </a:pPr>
+            <a:r>
+              <a:rPr b="1" lang="en-GB" sz="2800" spc="-1" strike="noStrike">
+                <a:solidFill>
+                  <a:srgbClr val="ffffff"/>
+                </a:solidFill>
+                <a:latin typeface="Arial"/>
+                <a:ea typeface="MS PGothic"/>
+              </a:rPr>
+              <a:t>56%</a:t>
+            </a:r>
+            <a:endParaRPr b="0" lang="en-GB" sz="2800" spc="-1" strike="noStrike">
+              <a:latin typeface="Arial"/>
+            </a:endParaRPr>
+          </a:p>
+        </p:txBody>
+      </p:sp>
+      <p:sp>
+        <p:nvSpPr>
+          <p:cNvPr id="116" name="CustomShape 17"/>
+          <p:cNvSpPr/>
+          <p:nvPr/>
+        </p:nvSpPr>
+        <p:spPr>
+          <a:xfrm>
+            <a:off x="5492880" y="5428800"/>
+            <a:ext cx="1693440" cy="821160"/>
+          </a:xfrm>
+          <a:prstGeom prst="rect">
+            <a:avLst/>
+          </a:prstGeom>
+          <a:noFill/>
+          <a:ln>
+            <a:noFill/>
+          </a:ln>
+        </p:spPr>
+        <p:style>
+          <a:lnRef idx="0"/>
+          <a:fillRef idx="0"/>
+          <a:effectRef idx="0"/>
+          <a:fontRef idx="minor"/>
+        </p:style>
+        <p:txBody>
+          <a:bodyPr lIns="90000" rIns="90000" tIns="45000" bIns="45000"/>
+          <a:p>
+            <a:pPr algn="ctr">
+              <a:lnSpc>
+                <a:spcPct val="100000"/>
+              </a:lnSpc>
+            </a:pPr>
+            <a:r>
+              <a:rPr b="0" lang="en-GB" sz="2400" spc="-1" strike="noStrike">
+                <a:solidFill>
+                  <a:srgbClr val="575656"/>
+                </a:solidFill>
+                <a:latin typeface="Calibri"/>
+                <a:ea typeface="MS PGothic"/>
+              </a:rPr>
+              <a:t>Develop own code</a:t>
+            </a:r>
+            <a:endParaRPr b="0" lang="en-GB" sz="2400" spc="-1" strike="noStrike">
+              <a:latin typeface="Arial"/>
+            </a:endParaRPr>
+          </a:p>
+        </p:txBody>
+      </p:sp>
+      <p:sp>
+        <p:nvSpPr>
+          <p:cNvPr id="117" name="CustomShape 18"/>
+          <p:cNvSpPr/>
+          <p:nvPr/>
+        </p:nvSpPr>
+        <p:spPr>
+          <a:xfrm>
+            <a:off x="5760360" y="6438960"/>
+            <a:ext cx="3138480" cy="231840"/>
+          </a:xfrm>
+          <a:prstGeom prst="rect">
+            <a:avLst/>
+          </a:prstGeom>
+          <a:noFill/>
+          <a:ln>
+            <a:noFill/>
+          </a:ln>
+        </p:spPr>
+        <p:style>
+          <a:lnRef idx="0"/>
+          <a:fillRef idx="0"/>
+          <a:effectRef idx="0"/>
+          <a:fontRef idx="minor"/>
+        </p:style>
+        <p:txBody>
+          <a:bodyPr lIns="90000" rIns="90000" tIns="45000" bIns="45000"/>
+          <a:p>
+            <a:pPr>
+              <a:lnSpc>
+                <a:spcPct val="100000"/>
+              </a:lnSpc>
+            </a:pPr>
+            <a:r>
+              <a:rPr b="0" lang="en-GB" sz="1000" spc="-1" strike="noStrike">
+                <a:solidFill>
+                  <a:srgbClr val="666666"/>
+                </a:solidFill>
+                <a:latin typeface="Arial"/>
+              </a:rPr>
+              <a:t>Source: Software Sustainability Institute Survey 2014</a:t>
+            </a:r>
+            <a:endParaRPr b="0" lang="en-GB" sz="1000" spc="-1" strike="noStrike">
               <a:latin typeface="Arial"/>
             </a:endParaRPr>
           </a:p>
@@ -7436,48 +7754,7 @@
       </p:grpSpPr>
       <p:sp>
         <p:nvSpPr>
-          <p:cNvPr id="121" name="TextShape 1"/>
-          <p:cNvSpPr txBox="1"/>
-          <p:nvPr/>
-        </p:nvSpPr>
-        <p:spPr>
-          <a:xfrm>
-            <a:off x="792000" y="131760"/>
-            <a:ext cx="6084000" cy="1142640"/>
-          </a:xfrm>
-          <a:prstGeom prst="rect">
-            <a:avLst/>
-          </a:prstGeom>
-          <a:noFill/>
-          <a:ln>
-            <a:noFill/>
-          </a:ln>
-        </p:spPr>
-        <p:txBody>
-          <a:bodyPr anchor="ctr"/>
-          <a:p>
-            <a:r>
-              <a:rPr b="0" lang="en-US" sz="4400" spc="-1" strike="noStrike">
-                <a:solidFill>
-                  <a:srgbClr val="7f6953"/>
-                </a:solidFill>
-                <a:latin typeface="Calibri"/>
-                <a:ea typeface="MS PGothic"/>
-              </a:rPr>
-              <a:t>Software Carpentry</a:t>
-            </a:r>
-            <a:endParaRPr b="0" lang="en-US" sz="4400" spc="-1" strike="noStrike">
-              <a:solidFill>
-                <a:srgbClr val="000000"/>
-              </a:solidFill>
-              <a:latin typeface="Arial"/>
-            </a:endParaRPr>
-          </a:p>
-        </p:txBody>
-      </p:sp>
-      <p:sp>
-        <p:nvSpPr>
-          <p:cNvPr id="122" name="TextShape 2"/>
+          <p:cNvPr id="118" name="TextShape 1"/>
           <p:cNvSpPr txBox="1"/>
           <p:nvPr/>
         </p:nvSpPr>
@@ -7508,16 +7785,15 @@
               <a:buFont typeface="Wingdings" charset="2"/>
               <a:buChar char=""/>
             </a:pPr>
-            <a:r>
-              <a:rPr b="0" lang="en-US" sz="2400" spc="-1" strike="noStrike">
-                <a:solidFill>
-                  <a:srgbClr val="575656"/>
-                </a:solidFill>
-                <a:latin typeface="Calibri"/>
-              </a:rPr>
-              <a:t>The take-home message is:</a:t>
-            </a:r>
-            <a:endParaRPr b="0" lang="en-US" sz="2400" spc="-1" strike="noStrike">
+            <a:endParaRPr b="0" lang="en-US" sz="3200" spc="-1" strike="noStrike">
+              <a:solidFill>
+                <a:srgbClr val="000000"/>
+              </a:solidFill>
+              <a:latin typeface="Calibri"/>
+            </a:endParaRPr>
+          </a:p>
+          <a:p>
+            <a:endParaRPr b="0" lang="en-US" sz="3200" spc="-1" strike="noStrike">
               <a:solidFill>
                 <a:srgbClr val="000000"/>
               </a:solidFill>
@@ -7536,7 +7812,7 @@
               <a:buFont typeface="Wingdings" charset="2"/>
               <a:buChar char=""/>
             </a:pPr>
-            <a:endParaRPr b="0" lang="en-US" sz="2400" spc="-1" strike="noStrike">
+            <a:endParaRPr b="0" lang="en-US" sz="3200" spc="-1" strike="noStrike">
               <a:solidFill>
                 <a:srgbClr val="000000"/>
               </a:solidFill>
@@ -7547,7 +7823,7 @@
       </p:sp>
       <p:pic>
         <p:nvPicPr>
-          <p:cNvPr id="123" name="" descr=""/>
+          <p:cNvPr id="119" name="" descr=""/>
           <p:cNvPicPr/>
           <p:nvPr/>
         </p:nvPicPr>
@@ -7557,8 +7833,8 @@
         </p:blipFill>
         <p:spPr>
           <a:xfrm>
-            <a:off x="2556720" y="2196360"/>
-            <a:ext cx="4031280" cy="3023640"/>
+            <a:off x="499320" y="1512000"/>
+            <a:ext cx="7996680" cy="3464640"/>
           </a:xfrm>
           <a:prstGeom prst="rect">
             <a:avLst/>
@@ -7570,14 +7846,14 @@
       </p:pic>
       <p:sp>
         <p:nvSpPr>
-          <p:cNvPr id="124" name="TextShape 3"/>
+          <p:cNvPr id="120" name="TextShape 2"/>
           <p:cNvSpPr txBox="1"/>
           <p:nvPr/>
         </p:nvSpPr>
         <p:spPr>
           <a:xfrm>
-            <a:off x="437760" y="5472000"/>
-            <a:ext cx="7050240" cy="700200"/>
+            <a:off x="333360" y="5329440"/>
+            <a:ext cx="8663400" cy="1209600"/>
           </a:xfrm>
           <a:prstGeom prst="rect">
             <a:avLst/>
@@ -7590,14 +7866,6 @@
         <p:txBody>
           <a:bodyPr lIns="90000" rIns="90000" tIns="45000" bIns="45000"/>
           <a:p>
-            <a:pPr marL="216000" indent="-216000">
-              <a:buClr>
-                <a:srgbClr val="000000"/>
-              </a:buClr>
-              <a:buSzPct val="45000"/>
-              <a:buFont typeface="Wingdings" charset="2"/>
-              <a:buChar char=""/>
-            </a:pPr>
             <a:r>
               <a:rPr b="0" lang="en-GB" sz="2400" spc="-1" strike="noStrike">
                 <a:solidFill>
@@ -7605,49 +7873,64 @@
                 </a:solidFill>
                 <a:latin typeface="Calibri"/>
               </a:rPr>
-              <a:t>  </a:t>
-            </a:r>
-            <a:r>
-              <a:rPr b="0" lang="en-GB" sz="2400" spc="-1" strike="noStrike">
-                <a:solidFill>
-                  <a:srgbClr val="575656"/>
-                </a:solidFill>
-                <a:latin typeface="Calibri"/>
-              </a:rPr>
-              <a:t>This is the Software Sustainability Institute motto</a:t>
-            </a:r>
-            <a:endParaRPr b="0" lang="en-GB" sz="2400" spc="-1" strike="noStrike">
+              <a:t>We want to set you on the road to writing </a:t>
+            </a:r>
+            <a:r>
+              <a:rPr b="1" lang="en-GB" sz="2600" spc="-1" strike="noStrike">
+                <a:solidFill>
+                  <a:srgbClr val="f79448"/>
+                </a:solidFill>
+                <a:latin typeface="Calibri"/>
+              </a:rPr>
+              <a:t>Sustainable Software</a:t>
+            </a:r>
+            <a:endParaRPr b="0" lang="en-GB" sz="2600" spc="-1" strike="noStrike">
               <a:latin typeface="Arial"/>
             </a:endParaRPr>
           </a:p>
-          <a:p>
-            <a:pPr marL="216000" indent="-216000">
-              <a:buClr>
-                <a:srgbClr val="000000"/>
-              </a:buClr>
-              <a:buSzPct val="45000"/>
-              <a:buFont typeface="Wingdings" charset="2"/>
-              <a:buChar char=""/>
-            </a:pPr>
-            <a:r>
-              <a:rPr b="0" lang="en-GB" sz="2400" spc="-1" strike="noStrike">
-                <a:solidFill>
-                  <a:srgbClr val="575656"/>
-                </a:solidFill>
-                <a:latin typeface="Calibri"/>
-              </a:rPr>
-              <a:t>  </a:t>
-            </a:r>
-            <a:r>
-              <a:rPr b="0" lang="en-GB" sz="2400" spc="-1" strike="noStrike">
-                <a:solidFill>
-                  <a:srgbClr val="575656"/>
-                </a:solidFill>
-                <a:latin typeface="Calibri"/>
-              </a:rPr>
-              <a:t>www.software.ac.uk</a:t>
-            </a:r>
-            <a:endParaRPr b="0" lang="en-GB" sz="2400" spc="-1" strike="noStrike">
+        </p:txBody>
+      </p:sp>
+      <p:sp>
+        <p:nvSpPr>
+          <p:cNvPr id="121" name="TextShape 3"/>
+          <p:cNvSpPr txBox="1"/>
+          <p:nvPr/>
+        </p:nvSpPr>
+        <p:spPr>
+          <a:xfrm>
+            <a:off x="314640" y="131760"/>
+            <a:ext cx="6561720" cy="1142640"/>
+          </a:xfrm>
+          <a:prstGeom prst="rect">
+            <a:avLst/>
+          </a:prstGeom>
+          <a:noFill/>
+          <a:ln>
+            <a:noFill/>
+          </a:ln>
+        </p:spPr>
+        <p:txBody>
+          <a:bodyPr anchor="ctr"/>
+          <a:p>
+            <a:pPr algn="ctr">
+              <a:lnSpc>
+                <a:spcPct val="100000"/>
+              </a:lnSpc>
+            </a:pPr>
+            <a:r>
+              <a:rPr b="0" lang="en-US" sz="4400" spc="-1" strike="noStrike">
+                <a:solidFill>
+                  <a:srgbClr val="7f6953"/>
+                </a:solidFill>
+                <a:latin typeface="Calibri"/>
+                <a:ea typeface="MS PGothic"/>
+              </a:rPr>
+              <a:t>We should care about software</a:t>
+            </a:r>
+            <a:endParaRPr b="0" lang="en-US" sz="4400" spc="-1" strike="noStrike">
+              <a:solidFill>
+                <a:srgbClr val="000000"/>
+              </a:solidFill>
               <a:latin typeface="Arial"/>
             </a:endParaRPr>
           </a:p>
@@ -7677,7 +7960,7 @@
       </p:grpSpPr>
       <p:sp>
         <p:nvSpPr>
-          <p:cNvPr id="125" name="TextShape 1"/>
+          <p:cNvPr id="122" name="TextShape 1"/>
           <p:cNvSpPr txBox="1"/>
           <p:nvPr/>
         </p:nvSpPr>
@@ -7718,7 +8001,7 @@
       </p:sp>
       <p:sp>
         <p:nvSpPr>
-          <p:cNvPr id="126" name="TextShape 2"/>
+          <p:cNvPr id="123" name="TextShape 2"/>
           <p:cNvSpPr txBox="1"/>
           <p:nvPr/>
         </p:nvSpPr>
@@ -7749,7 +8032,16 @@
               <a:buFont typeface="Wingdings" charset="2"/>
               <a:buChar char=""/>
             </a:pPr>
-            <a:endParaRPr b="0" lang="en-US" sz="3200" spc="-1" strike="noStrike">
+            <a:r>
+              <a:rPr b="0" lang="en-US" sz="2400" spc="-1" strike="noStrike">
+                <a:solidFill>
+                  <a:srgbClr val="575656"/>
+                </a:solidFill>
+                <a:latin typeface="Calibri"/>
+              </a:rPr>
+              <a:t>The take-home message is:</a:t>
+            </a:r>
+            <a:endParaRPr b="0" lang="en-US" sz="2400" spc="-1" strike="noStrike">
               <a:solidFill>
                 <a:srgbClr val="000000"/>
               </a:solidFill>
@@ -7768,160 +8060,7 @@
               <a:buFont typeface="Wingdings" charset="2"/>
               <a:buChar char=""/>
             </a:pPr>
-            <a:endParaRPr b="0" lang="en-US" sz="3200" spc="-1" strike="noStrike">
-              <a:solidFill>
-                <a:srgbClr val="000000"/>
-              </a:solidFill>
-              <a:latin typeface="Calibri"/>
-            </a:endParaRPr>
-          </a:p>
-          <a:p>
-            <a:pPr marL="432000" indent="-324000">
-              <a:spcBef>
-                <a:spcPts val="1417"/>
-              </a:spcBef>
-              <a:buClr>
-                <a:srgbClr val="000000"/>
-              </a:buClr>
-              <a:buSzPct val="45000"/>
-              <a:buFont typeface="Wingdings" charset="2"/>
-              <a:buChar char=""/>
-            </a:pPr>
-            <a:endParaRPr b="0" lang="en-US" sz="3200" spc="-1" strike="noStrike">
-              <a:solidFill>
-                <a:srgbClr val="000000"/>
-              </a:solidFill>
-              <a:latin typeface="Calibri"/>
-            </a:endParaRPr>
-          </a:p>
-          <a:p>
-            <a:pPr marL="432000" indent="-324000">
-              <a:lnSpc>
-                <a:spcPct val="100000"/>
-              </a:lnSpc>
-              <a:spcBef>
-                <a:spcPts val="2835"/>
-              </a:spcBef>
-              <a:spcAft>
-                <a:spcPts val="1417"/>
-              </a:spcAft>
-              <a:buClr>
-                <a:srgbClr val="000000"/>
-              </a:buClr>
-              <a:buSzPct val="45000"/>
-              <a:buFont typeface="Wingdings" charset="2"/>
-              <a:buChar char=""/>
-            </a:pPr>
-            <a:r>
-              <a:rPr b="0" lang="en-US" sz="2600" spc="-1" strike="noStrike">
-                <a:solidFill>
-                  <a:srgbClr val="575656"/>
-                </a:solidFill>
-                <a:latin typeface="Calibri"/>
-                <a:ea typeface="MS PGothic"/>
-              </a:rPr>
-              <a:t>“</a:t>
-            </a:r>
-            <a:r>
-              <a:rPr b="0" lang="en-US" sz="2600" spc="-1" strike="noStrike">
-                <a:solidFill>
-                  <a:srgbClr val="575656"/>
-                </a:solidFill>
-                <a:latin typeface="Calibri"/>
-                <a:ea typeface="MS PGothic"/>
-              </a:rPr>
-              <a:t>Teaching researchers the computing skills they need to get more done in less time and with less pain”</a:t>
-            </a:r>
-            <a:endParaRPr b="0" lang="en-US" sz="2600" spc="-1" strike="noStrike">
-              <a:solidFill>
-                <a:srgbClr val="000000"/>
-              </a:solidFill>
-              <a:latin typeface="Calibri"/>
-            </a:endParaRPr>
-          </a:p>
-          <a:p>
-            <a:pPr marL="432000" indent="-324000">
-              <a:lnSpc>
-                <a:spcPct val="100000"/>
-              </a:lnSpc>
-              <a:spcBef>
-                <a:spcPts val="2835"/>
-              </a:spcBef>
-              <a:spcAft>
-                <a:spcPts val="1417"/>
-              </a:spcAft>
-              <a:buClr>
-                <a:srgbClr val="000000"/>
-              </a:buClr>
-              <a:buSzPct val="45000"/>
-              <a:buFont typeface="Wingdings" charset="2"/>
-              <a:buChar char=""/>
-            </a:pPr>
-            <a:r>
-              <a:rPr b="0" lang="en-US" sz="2600" spc="-1" strike="noStrike">
-                <a:solidFill>
-                  <a:srgbClr val="575656"/>
-                </a:solidFill>
-                <a:latin typeface="Calibri"/>
-                <a:ea typeface="MS PGothic"/>
-              </a:rPr>
-              <a:t>27,000 + Researchers taught since 1998 in 35 Countries</a:t>
-            </a:r>
-            <a:endParaRPr b="0" lang="en-US" sz="2600" spc="-1" strike="noStrike">
-              <a:solidFill>
-                <a:srgbClr val="000000"/>
-              </a:solidFill>
-              <a:latin typeface="Calibri"/>
-            </a:endParaRPr>
-          </a:p>
-          <a:p>
-            <a:pPr marL="432000" indent="-324000">
-              <a:lnSpc>
-                <a:spcPct val="100000"/>
-              </a:lnSpc>
-              <a:spcBef>
-                <a:spcPts val="2835"/>
-              </a:spcBef>
-              <a:spcAft>
-                <a:spcPts val="1417"/>
-              </a:spcAft>
-              <a:buClr>
-                <a:srgbClr val="000000"/>
-              </a:buClr>
-              <a:buSzPct val="45000"/>
-              <a:buFont typeface="Wingdings" charset="2"/>
-              <a:buChar char=""/>
-            </a:pPr>
-            <a:r>
-              <a:rPr b="0" lang="en-US" sz="2600" spc="-1" strike="noStrike">
-                <a:solidFill>
-                  <a:srgbClr val="575656"/>
-                </a:solidFill>
-                <a:latin typeface="Calibri"/>
-                <a:ea typeface="MS PGothic"/>
-              </a:rPr>
-              <a:t>Materials are freely reusable (CCA license)</a:t>
-            </a:r>
-            <a:endParaRPr b="0" lang="en-US" sz="2600" spc="-1" strike="noStrike">
-              <a:solidFill>
-                <a:srgbClr val="000000"/>
-              </a:solidFill>
-              <a:latin typeface="Calibri"/>
-            </a:endParaRPr>
-          </a:p>
-          <a:p>
-            <a:pPr marL="432000" indent="-324000">
-              <a:spcBef>
-                <a:spcPts val="1417"/>
-              </a:spcBef>
-              <a:buClr>
-                <a:srgbClr val="000000"/>
-              </a:buClr>
-              <a:buSzPct val="45000"/>
-              <a:buFont typeface="Wingdings" charset="2"/>
-              <a:buChar char=""/>
-            </a:pPr>
-            <a:endParaRPr b="0" lang="en-US" sz="2600" spc="-1" strike="noStrike">
+            <a:endParaRPr b="0" lang="en-US" sz="2400" spc="-1" strike="noStrike">
               <a:solidFill>
                 <a:srgbClr val="000000"/>
               </a:solidFill>
@@ -7932,7 +8071,7 @@
       </p:sp>
       <p:pic>
         <p:nvPicPr>
-          <p:cNvPr id="127" name="" descr=""/>
+          <p:cNvPr id="124" name="" descr=""/>
           <p:cNvPicPr/>
           <p:nvPr/>
         </p:nvPicPr>
@@ -7942,8 +8081,8 @@
         </p:blipFill>
         <p:spPr>
           <a:xfrm>
-            <a:off x="3384000" y="1663200"/>
-            <a:ext cx="2494440" cy="1144800"/>
+            <a:off x="2556720" y="2196360"/>
+            <a:ext cx="4031280" cy="3023640"/>
           </a:xfrm>
           <a:prstGeom prst="rect">
             <a:avLst/>
@@ -7953,6 +8092,91 @@
           </a:ln>
         </p:spPr>
       </p:pic>
+      <p:sp>
+        <p:nvSpPr>
+          <p:cNvPr id="125" name="TextShape 3"/>
+          <p:cNvSpPr txBox="1"/>
+          <p:nvPr/>
+        </p:nvSpPr>
+        <p:spPr>
+          <a:xfrm>
+            <a:off x="437760" y="5472000"/>
+            <a:ext cx="7050240" cy="700200"/>
+          </a:xfrm>
+          <a:prstGeom prst="rect">
+            <a:avLst/>
+          </a:prstGeom>
+          <a:noFill/>
+          <a:ln>
+            <a:noFill/>
+          </a:ln>
+        </p:spPr>
+        <p:txBody>
+          <a:bodyPr lIns="90000" rIns="90000" tIns="45000" bIns="45000"/>
+          <a:p>
+            <a:pPr marL="216000" indent="-216000">
+              <a:buClr>
+                <a:srgbClr val="000000"/>
+              </a:buClr>
+              <a:buSzPct val="45000"/>
+              <a:buFont typeface="Wingdings" charset="2"/>
+              <a:buChar char=""/>
+            </a:pPr>
+            <a:r>
+              <a:rPr b="0" lang="en-GB" sz="2400" spc="-1" strike="noStrike">
+                <a:solidFill>
+                  <a:srgbClr val="575656"/>
+                </a:solidFill>
+                <a:latin typeface="Calibri"/>
+              </a:rPr>
+              <a:t>  </a:t>
+            </a:r>
+            <a:r>
+              <a:rPr b="0" lang="en-GB" sz="2400" spc="-1" strike="noStrike">
+                <a:solidFill>
+                  <a:srgbClr val="575656"/>
+                </a:solidFill>
+                <a:latin typeface="Calibri"/>
+              </a:rPr>
+              <a:t>This is the Software Sustainability Institute motto</a:t>
+            </a:r>
+            <a:endParaRPr b="0" lang="en-GB" sz="2400" spc="-1" strike="noStrike">
+              <a:latin typeface="Arial"/>
+            </a:endParaRPr>
+          </a:p>
+          <a:p>
+            <a:pPr marL="216000" indent="-216000">
+              <a:buClr>
+                <a:srgbClr val="000000"/>
+              </a:buClr>
+              <a:buSzPct val="45000"/>
+              <a:buFont typeface="Wingdings" charset="2"/>
+              <a:buChar char=""/>
+            </a:pPr>
+            <a:r>
+              <a:rPr b="0" lang="en-GB" sz="2400" spc="-1" strike="noStrike">
+                <a:solidFill>
+                  <a:srgbClr val="575656"/>
+                </a:solidFill>
+                <a:latin typeface="Calibri"/>
+              </a:rPr>
+              <a:t>  </a:t>
+            </a:r>
+            <a:r>
+              <a:rPr b="0" lang="en-GB" sz="2400" spc="-1" strike="noStrike">
+                <a:solidFill>
+                  <a:srgbClr val="575656"/>
+                </a:solidFill>
+                <a:latin typeface="Calibri"/>
+              </a:rPr>
+              <a:t>www.software.ac.uk</a:t>
+            </a:r>
+            <a:endParaRPr b="0" lang="en-GB" sz="2400" spc="-1" strike="noStrike">
+              <a:latin typeface="Arial"/>
+            </a:endParaRPr>
+          </a:p>
+        </p:txBody>
+      </p:sp>
     </p:spTree>
   </p:cSld>
 </p:sld>
@@ -7977,7 +8201,7 @@
       </p:grpSpPr>
       <p:sp>
         <p:nvSpPr>
-          <p:cNvPr id="128" name="TextShape 1"/>
+          <p:cNvPr id="126" name="TextShape 1"/>
           <p:cNvSpPr txBox="1"/>
           <p:nvPr/>
         </p:nvSpPr>
@@ -8005,7 +8229,7 @@
                 <a:latin typeface="Calibri"/>
                 <a:ea typeface="MS PGothic"/>
               </a:rPr>
-              <a:t>Who are we?</a:t>
+              <a:t>Software Carpentry</a:t>
             </a:r>
             <a:endParaRPr b="0" lang="en-US" sz="4400" spc="-1" strike="noStrike">
               <a:solidFill>
@@ -8018,7 +8242,7 @@
       </p:sp>
       <p:sp>
         <p:nvSpPr>
-          <p:cNvPr id="129" name="TextShape 2"/>
+          <p:cNvPr id="127" name="TextShape 2"/>
           <p:cNvSpPr txBox="1"/>
           <p:nvPr/>
         </p:nvSpPr>
@@ -8037,16 +8261,73 @@
         </p:spPr>
         <p:txBody>
           <a:bodyPr/>
+          <a:p>
+            <a:pPr marL="432000" indent="-324000">
+              <a:spcBef>
+                <a:spcPts val="1417"/>
+              </a:spcBef>
+              <a:buClr>
+                <a:srgbClr val="000000"/>
+              </a:buClr>
+              <a:buSzPct val="45000"/>
+              <a:buFont typeface="Wingdings" charset="2"/>
+              <a:buChar char=""/>
+            </a:pPr>
+            <a:endParaRPr b="0" lang="en-US" sz="3200" spc="-1" strike="noStrike">
+              <a:solidFill>
+                <a:srgbClr val="000000"/>
+              </a:solidFill>
+              <a:latin typeface="Calibri"/>
+            </a:endParaRPr>
+          </a:p>
+          <a:p>
+            <a:pPr marL="432000" indent="-324000">
+              <a:spcBef>
+                <a:spcPts val="1417"/>
+              </a:spcBef>
+              <a:buClr>
+                <a:srgbClr val="000000"/>
+              </a:buClr>
+              <a:buSzPct val="45000"/>
+              <a:buFont typeface="Wingdings" charset="2"/>
+              <a:buChar char=""/>
+            </a:pPr>
+            <a:endParaRPr b="0" lang="en-US" sz="3200" spc="-1" strike="noStrike">
+              <a:solidFill>
+                <a:srgbClr val="000000"/>
+              </a:solidFill>
+              <a:latin typeface="Calibri"/>
+            </a:endParaRPr>
+          </a:p>
+          <a:p>
+            <a:pPr marL="432000" indent="-324000">
+              <a:spcBef>
+                <a:spcPts val="1417"/>
+              </a:spcBef>
+              <a:buClr>
+                <a:srgbClr val="000000"/>
+              </a:buClr>
+              <a:buSzPct val="45000"/>
+              <a:buFont typeface="Wingdings" charset="2"/>
+              <a:buChar char=""/>
+            </a:pPr>
+            <a:endParaRPr b="0" lang="en-US" sz="3200" spc="-1" strike="noStrike">
+              <a:solidFill>
+                <a:srgbClr val="000000"/>
+              </a:solidFill>
+              <a:latin typeface="Calibri"/>
+            </a:endParaRPr>
+          </a:p>
           <a:p>
             <a:pPr marL="432000" indent="-324000">
               <a:lnSpc>
                 <a:spcPct val="100000"/>
               </a:lnSpc>
               <a:spcBef>
-                <a:spcPts val="5102"/>
+                <a:spcPts val="2835"/>
               </a:spcBef>
               <a:spcAft>
-                <a:spcPts val="3685"/>
+                <a:spcPts val="1417"/>
               </a:spcAft>
               <a:buClr>
                 <a:srgbClr val="000000"/>
@@ -8056,16 +8337,26 @@
               <a:buChar char=""/>
             </a:pPr>
             <a:r>
-              <a:rPr b="0" lang="en-US" sz="3200" spc="-1" strike="noStrike">
+              <a:rPr b="0" lang="en-US" sz="2600" spc="-1" strike="noStrike">
                 <a:solidFill>
                   <a:srgbClr val="575656"/>
                 </a:solidFill>
                 <a:latin typeface="Calibri"/>
                 <a:ea typeface="MS PGothic"/>
               </a:rPr>
-              <a:t>Chris Cave-Ayland: iSolutions, UoS </a:t>
-            </a:r>
-            <a:endParaRPr b="0" lang="en-US" sz="3200" spc="-1" strike="noStrike">
+              <a:t>“</a:t>
+            </a:r>
+            <a:r>
+              <a:rPr b="0" lang="en-US" sz="2600" spc="-1" strike="noStrike">
+                <a:solidFill>
+                  <a:srgbClr val="575656"/>
+                </a:solidFill>
+                <a:latin typeface="Calibri"/>
+                <a:ea typeface="MS PGothic"/>
+              </a:rPr>
+              <a:t>Teaching researchers the computing skills they need to get more done in less time and with less pain”</a:t>
+            </a:r>
+            <a:endParaRPr b="0" lang="en-US" sz="2600" spc="-1" strike="noStrike">
               <a:solidFill>
                 <a:srgbClr val="000000"/>
               </a:solidFill>
@@ -8078,10 +8369,10 @@
                 <a:spcPct val="100000"/>
               </a:lnSpc>
               <a:spcBef>
-                <a:spcPts val="5102"/>
+                <a:spcPts val="2835"/>
               </a:spcBef>
               <a:spcAft>
-                <a:spcPts val="3685"/>
+                <a:spcPts val="1417"/>
               </a:spcAft>
               <a:buClr>
                 <a:srgbClr val="000000"/>
@@ -8091,16 +8382,16 @@
               <a:buChar char=""/>
             </a:pPr>
             <a:r>
-              <a:rPr b="0" lang="en-US" sz="3200" spc="-1" strike="noStrike">
+              <a:rPr b="0" lang="en-US" sz="2600" spc="-1" strike="noStrike">
                 <a:solidFill>
                   <a:srgbClr val="575656"/>
                 </a:solidFill>
                 <a:latin typeface="Calibri"/>
                 <a:ea typeface="MS PGothic"/>
               </a:rPr>
-              <a:t>Steve Crouch: Research Software Group, UoS</a:t>
-            </a:r>
-            <a:endParaRPr b="0" lang="en-US" sz="3200" spc="-1" strike="noStrike">
+              <a:t>27,000 + Researchers taught since 1998 in 35 Countries</a:t>
+            </a:r>
+            <a:endParaRPr b="0" lang="en-US" sz="2600" spc="-1" strike="noStrike">
               <a:solidFill>
                 <a:srgbClr val="000000"/>
               </a:solidFill>
@@ -8113,10 +8404,10 @@
                 <a:spcPct val="100000"/>
               </a:lnSpc>
               <a:spcBef>
-                <a:spcPts val="5102"/>
+                <a:spcPts val="2835"/>
               </a:spcBef>
               <a:spcAft>
-                <a:spcPts val="3685"/>
+                <a:spcPts val="1417"/>
               </a:spcAft>
               <a:buClr>
                 <a:srgbClr val="000000"/>
@@ -8126,51 +8417,16 @@
               <a:buChar char=""/>
             </a:pPr>
             <a:r>
-              <a:rPr b="0" lang="en-US" sz="3200" spc="-1" strike="noStrike">
+              <a:rPr b="0" lang="en-US" sz="2600" spc="-1" strike="noStrike">
                 <a:solidFill>
                   <a:srgbClr val="575656"/>
                 </a:solidFill>
                 <a:latin typeface="Calibri"/>
                 <a:ea typeface="MS PGothic"/>
               </a:rPr>
-              <a:t>James Graham: Research Software Group, UoS</a:t>
-            </a:r>
-            <a:endParaRPr b="0" lang="en-US" sz="3200" spc="-1" strike="noStrike">
-              <a:solidFill>
-                <a:srgbClr val="000000"/>
-              </a:solidFill>
-              <a:latin typeface="Calibri"/>
-            </a:endParaRPr>
-          </a:p>
-          <a:p>
-            <a:pPr marL="432000" indent="-324000">
-              <a:lnSpc>
-                <a:spcPct val="100000"/>
-              </a:lnSpc>
-              <a:spcBef>
-                <a:spcPts val="5102"/>
-              </a:spcBef>
-              <a:spcAft>
-                <a:spcPts val="3685"/>
-              </a:spcAft>
-              <a:buClr>
-                <a:srgbClr val="000000"/>
-              </a:buClr>
-              <a:buSzPct val="45000"/>
-              <a:buFont typeface="Wingdings" charset="2"/>
-              <a:buChar char=""/>
-            </a:pPr>
-            <a:r>
-              <a:rPr b="0" lang="en-US" sz="3200" spc="-1" strike="noStrike">
-                <a:solidFill>
-                  <a:srgbClr val="575656"/>
-                </a:solidFill>
-                <a:latin typeface="Calibri"/>
-                <a:ea typeface="MS PGothic"/>
-              </a:rPr>
-              <a:t>John Robinson: Research Software Group, UoS</a:t>
-            </a:r>
-            <a:endParaRPr b="0" lang="en-US" sz="3200" spc="-1" strike="noStrike">
+              <a:t>Materials are freely reusable (CCA license)</a:t>
+            </a:r>
+            <a:endParaRPr b="0" lang="en-US" sz="2600" spc="-1" strike="noStrike">
               <a:solidFill>
                 <a:srgbClr val="000000"/>
               </a:solidFill>
@@ -8189,15 +8445,38 @@
               <a:buFont typeface="Wingdings" charset="2"/>
               <a:buChar char=""/>
             </a:pPr>
-            <a:endParaRPr b="0" lang="en-US" sz="3200" spc="-1" strike="noStrike">
-              <a:solidFill>
-                <a:srgbClr val="000000"/>
-              </a:solidFill>
-              <a:latin typeface="Calibri"/>
-            </a:endParaRPr>
-          </a:p>
-        </p:txBody>
-      </p:sp>
+            <a:endParaRPr b="0" lang="en-US" sz="2600" spc="-1" strike="noStrike">
+              <a:solidFill>
+                <a:srgbClr val="000000"/>
+              </a:solidFill>
+              <a:latin typeface="Calibri"/>
+            </a:endParaRPr>
+          </a:p>
+        </p:txBody>
+      </p:sp>
+      <p:pic>
+        <p:nvPicPr>
+          <p:cNvPr id="128" name="" descr=""/>
+          <p:cNvPicPr/>
+          <p:nvPr/>
+        </p:nvPicPr>
+        <p:blipFill>
+          <a:blip r:embed="rId1"/>
+          <a:stretch/>
+        </p:blipFill>
+        <p:spPr>
+          <a:xfrm>
+            <a:off x="3384000" y="1663200"/>
+            <a:ext cx="2494440" cy="1144800"/>
+          </a:xfrm>
+          <a:prstGeom prst="rect">
+            <a:avLst/>
+          </a:prstGeom>
+          <a:ln>
+            <a:noFill/>
+          </a:ln>
+        </p:spPr>
+      </p:pic>
     </p:spTree>
   </p:cSld>
 </p:sld>
@@ -8222,7 +8501,7 @@
       </p:grpSpPr>
       <p:sp>
         <p:nvSpPr>
-          <p:cNvPr id="130" name="TextShape 1"/>
+          <p:cNvPr id="129" name="TextShape 1"/>
           <p:cNvSpPr txBox="1"/>
           <p:nvPr/>
         </p:nvSpPr>
@@ -8250,7 +8529,7 @@
                 <a:latin typeface="Calibri"/>
                 <a:ea typeface="MS PGothic"/>
               </a:rPr>
-              <a:t>Bash Shell</a:t>
+              <a:t>Who are we?</a:t>
             </a:r>
             <a:endParaRPr b="0" lang="en-US" sz="4400" spc="-1" strike="noStrike">
               <a:solidFill>
@@ -8261,39 +8540,16 @@
           </a:p>
         </p:txBody>
       </p:sp>
-      <p:pic>
-        <p:nvPicPr>
-          <p:cNvPr id="131" name="Picture 3" descr=""/>
-          <p:cNvPicPr/>
-          <p:nvPr/>
-        </p:nvPicPr>
-        <p:blipFill>
-          <a:blip r:embed="rId1"/>
-          <a:stretch/>
-        </p:blipFill>
-        <p:spPr>
-          <a:xfrm>
-            <a:off x="5293800" y="1377000"/>
-            <a:ext cx="3847320" cy="5505480"/>
-          </a:xfrm>
-          <a:prstGeom prst="rect">
-            <a:avLst/>
-          </a:prstGeom>
-          <a:ln>
-            <a:noFill/>
-          </a:ln>
-        </p:spPr>
-      </p:pic>
-      <p:sp>
-        <p:nvSpPr>
-          <p:cNvPr id="132" name="TextShape 2"/>
+      <p:sp>
+        <p:nvSpPr>
+          <p:cNvPr id="130" name="TextShape 2"/>
           <p:cNvSpPr txBox="1"/>
           <p:nvPr/>
         </p:nvSpPr>
         <p:spPr>
           <a:xfrm>
-            <a:off x="216000" y="1656000"/>
-            <a:ext cx="4824000" cy="4499640"/>
+            <a:off x="333360" y="1600200"/>
+            <a:ext cx="8353080" cy="4708800"/>
           </a:xfrm>
           <a:prstGeom prst="rect">
             <a:avLst/>
@@ -8304,17 +8560,17 @@
           </a:ln>
         </p:spPr>
         <p:txBody>
-          <a:bodyPr lIns="90000" rIns="90000" tIns="45000" bIns="45000"/>
-          <a:p>
-            <a:pPr marL="216000" indent="-216000">
+          <a:bodyPr/>
+          <a:p>
+            <a:pPr marL="432000" indent="-324000">
               <a:lnSpc>
                 <a:spcPct val="100000"/>
               </a:lnSpc>
               <a:spcBef>
-                <a:spcPts val="2268"/>
+                <a:spcPts val="5102"/>
               </a:spcBef>
               <a:spcAft>
-                <a:spcPts val="2268"/>
+                <a:spcPts val="3685"/>
               </a:spcAft>
               <a:buClr>
                 <a:srgbClr val="000000"/>
@@ -8324,29 +8580,32 @@
               <a:buChar char=""/>
             </a:pPr>
             <a:r>
-              <a:rPr b="0" lang="en-GB" sz="3200" spc="-1" strike="noStrike">
+              <a:rPr b="0" lang="en-US" sz="3200" spc="-1" strike="noStrike">
                 <a:solidFill>
                   <a:srgbClr val="575656"/>
                 </a:solidFill>
                 <a:latin typeface="Calibri"/>
-                <a:ea typeface="Arial Unicode MS"/>
-              </a:rPr>
-              <a:t>Day 1 - AM</a:t>
-            </a:r>
-            <a:endParaRPr b="0" lang="en-GB" sz="3200" spc="-1" strike="noStrike">
-              <a:latin typeface="Arial"/>
-            </a:endParaRPr>
-          </a:p>
-          <a:p>
-            <a:pPr marL="216000" indent="-216000">
+                <a:ea typeface="MS PGothic"/>
+              </a:rPr>
+              <a:t>Chris Cave-Ayland: iSolutions, UoS </a:t>
+            </a:r>
+            <a:endParaRPr b="0" lang="en-US" sz="3200" spc="-1" strike="noStrike">
+              <a:solidFill>
+                <a:srgbClr val="000000"/>
+              </a:solidFill>
+              <a:latin typeface="Calibri"/>
+            </a:endParaRPr>
+          </a:p>
+          <a:p>
+            <a:pPr marL="432000" indent="-324000">
               <a:lnSpc>
                 <a:spcPct val="100000"/>
               </a:lnSpc>
               <a:spcBef>
-                <a:spcPts val="2268"/>
+                <a:spcPts val="5102"/>
               </a:spcBef>
               <a:spcAft>
-                <a:spcPts val="2268"/>
+                <a:spcPts val="3685"/>
               </a:spcAft>
               <a:buClr>
                 <a:srgbClr val="000000"/>
@@ -8356,29 +8615,32 @@
               <a:buChar char=""/>
             </a:pPr>
             <a:r>
-              <a:rPr b="0" lang="en-GB" sz="3200" spc="-1" strike="noStrike">
+              <a:rPr b="0" lang="en-US" sz="3200" spc="-1" strike="noStrike">
                 <a:solidFill>
                   <a:srgbClr val="575656"/>
                 </a:solidFill>
                 <a:latin typeface="Calibri"/>
-                <a:ea typeface="Arial Unicode MS"/>
-              </a:rPr>
-              <a:t>Chris Cave-Ayland</a:t>
-            </a:r>
-            <a:endParaRPr b="0" lang="en-GB" sz="3200" spc="-1" strike="noStrike">
-              <a:latin typeface="Arial"/>
-            </a:endParaRPr>
-          </a:p>
-          <a:p>
-            <a:pPr marL="216000" indent="-216000">
+                <a:ea typeface="MS PGothic"/>
+              </a:rPr>
+              <a:t>Steve Crouch: Research Software Group, UoS</a:t>
+            </a:r>
+            <a:endParaRPr b="0" lang="en-US" sz="3200" spc="-1" strike="noStrike">
+              <a:solidFill>
+                <a:srgbClr val="000000"/>
+              </a:solidFill>
+              <a:latin typeface="Calibri"/>
+            </a:endParaRPr>
+          </a:p>
+          <a:p>
+            <a:pPr marL="432000" indent="-324000">
               <a:lnSpc>
                 <a:spcPct val="100000"/>
               </a:lnSpc>
               <a:spcBef>
-                <a:spcPts val="2268"/>
+                <a:spcPts val="5102"/>
               </a:spcBef>
               <a:spcAft>
-                <a:spcPts val="2268"/>
+                <a:spcPts val="3685"/>
               </a:spcAft>
               <a:buClr>
                 <a:srgbClr val="000000"/>
@@ -8388,29 +8650,32 @@
               <a:buChar char=""/>
             </a:pPr>
             <a:r>
-              <a:rPr b="0" lang="en-GB" sz="3200" spc="-1" strike="noStrike">
+              <a:rPr b="0" lang="en-US" sz="3200" spc="-1" strike="noStrike">
                 <a:solidFill>
                   <a:srgbClr val="575656"/>
                 </a:solidFill>
                 <a:latin typeface="Calibri"/>
-                <a:ea typeface="Arial Unicode MS"/>
-              </a:rPr>
-              <a:t>Automation</a:t>
-            </a:r>
-            <a:endParaRPr b="0" lang="en-GB" sz="3200" spc="-1" strike="noStrike">
-              <a:latin typeface="Arial"/>
-            </a:endParaRPr>
-          </a:p>
-          <a:p>
-            <a:pPr marL="216000" indent="-216000">
+                <a:ea typeface="MS PGothic"/>
+              </a:rPr>
+              <a:t>James Graham: Research Software Group, UoS</a:t>
+            </a:r>
+            <a:endParaRPr b="0" lang="en-US" sz="3200" spc="-1" strike="noStrike">
+              <a:solidFill>
+                <a:srgbClr val="000000"/>
+              </a:solidFill>
+              <a:latin typeface="Calibri"/>
+            </a:endParaRPr>
+          </a:p>
+          <a:p>
+            <a:pPr marL="432000" indent="-324000">
               <a:lnSpc>
                 <a:spcPct val="100000"/>
               </a:lnSpc>
               <a:spcBef>
-                <a:spcPts val="2268"/>
+                <a:spcPts val="5102"/>
               </a:spcBef>
               <a:spcAft>
-                <a:spcPts val="2268"/>
+                <a:spcPts val="3685"/>
               </a:spcAft>
               <a:buClr>
                 <a:srgbClr val="000000"/>
@@ -8420,30 +8685,27 @@
               <a:buChar char=""/>
             </a:pPr>
             <a:r>
-              <a:rPr b="0" lang="en-GB" sz="3200" spc="-1" strike="noStrike">
+              <a:rPr b="0" lang="en-US" sz="3200" spc="-1" strike="noStrike">
                 <a:solidFill>
                   <a:srgbClr val="575656"/>
                 </a:solidFill>
                 <a:latin typeface="Calibri"/>
-                <a:ea typeface="Arial Unicode MS"/>
-              </a:rPr>
-              <a:t>Not just about learning commands</a:t>
-            </a:r>
-            <a:endParaRPr b="0" lang="en-GB" sz="3200" spc="-1" strike="noStrike">
-              <a:latin typeface="Arial"/>
-            </a:endParaRPr>
-          </a:p>
-          <a:p>
-            <a:pPr marL="216000" indent="-216000">
-              <a:lnSpc>
-                <a:spcPct val="100000"/>
-              </a:lnSpc>
+                <a:ea typeface="MS PGothic"/>
+              </a:rPr>
+              <a:t>John Robinson: Research Software Group, UoS</a:t>
+            </a:r>
+            <a:endParaRPr b="0" lang="en-US" sz="3200" spc="-1" strike="noStrike">
+              <a:solidFill>
+                <a:srgbClr val="000000"/>
+              </a:solidFill>
+              <a:latin typeface="Calibri"/>
+            </a:endParaRPr>
+          </a:p>
+          <a:p>
+            <a:pPr marL="432000" indent="-324000">
               <a:spcBef>
-                <a:spcPts val="2268"/>
+                <a:spcPts val="1417"/>
               </a:spcBef>
-              <a:spcAft>
-                <a:spcPts val="2268"/>
-              </a:spcAft>
               <a:buClr>
                 <a:srgbClr val="000000"/>
               </a:buClr>
@@ -8451,18 +8713,11 @@
               <a:buFont typeface="Wingdings" charset="2"/>
               <a:buChar char=""/>
             </a:pPr>
-            <a:r>
-              <a:rPr b="0" lang="en-GB" sz="3200" spc="-1" strike="noStrike">
-                <a:solidFill>
-                  <a:srgbClr val="575656"/>
-                </a:solidFill>
-                <a:latin typeface="Calibri"/>
-                <a:ea typeface="Arial Unicode MS"/>
-              </a:rPr>
-              <a:t>Learning just a few things can make a huge difference to productivity</a:t>
-            </a:r>
-            <a:endParaRPr b="0" lang="en-GB" sz="3200" spc="-1" strike="noStrike">
-              <a:latin typeface="Arial"/>
+            <a:endParaRPr b="0" lang="en-US" sz="3200" spc="-1" strike="noStrike">
+              <a:solidFill>
+                <a:srgbClr val="000000"/>
+              </a:solidFill>
+              <a:latin typeface="Calibri"/>
             </a:endParaRPr>
           </a:p>
         </p:txBody>
